--- a/JeanPiaget/2019-2020/Presentaciones/MarcoTeórico.pptx
+++ b/JeanPiaget/2019-2020/Presentaciones/MarcoTeórico.pptx
@@ -5,7 +5,7 @@
     <p:sldMasterId id="2147483648" r:id="rId1"/>
   </p:sldMasterIdLst>
   <p:notesMasterIdLst>
-    <p:notesMasterId r:id="rId23"/>
+    <p:notesMasterId r:id="rId22"/>
   </p:notesMasterIdLst>
   <p:sldIdLst>
     <p:sldId id="256" r:id="rId2"/>
@@ -15,20 +15,19 @@
     <p:sldId id="280" r:id="rId6"/>
     <p:sldId id="259" r:id="rId7"/>
     <p:sldId id="260" r:id="rId8"/>
-    <p:sldId id="281" r:id="rId9"/>
-    <p:sldId id="261" r:id="rId10"/>
-    <p:sldId id="272" r:id="rId11"/>
-    <p:sldId id="277" r:id="rId12"/>
-    <p:sldId id="283" r:id="rId13"/>
-    <p:sldId id="284" r:id="rId14"/>
-    <p:sldId id="285" r:id="rId15"/>
-    <p:sldId id="287" r:id="rId16"/>
-    <p:sldId id="286" r:id="rId17"/>
-    <p:sldId id="270" r:id="rId18"/>
-    <p:sldId id="278" r:id="rId19"/>
-    <p:sldId id="289" r:id="rId20"/>
-    <p:sldId id="290" r:id="rId21"/>
-    <p:sldId id="279" r:id="rId22"/>
+    <p:sldId id="261" r:id="rId9"/>
+    <p:sldId id="272" r:id="rId10"/>
+    <p:sldId id="277" r:id="rId11"/>
+    <p:sldId id="283" r:id="rId12"/>
+    <p:sldId id="284" r:id="rId13"/>
+    <p:sldId id="285" r:id="rId14"/>
+    <p:sldId id="287" r:id="rId15"/>
+    <p:sldId id="286" r:id="rId16"/>
+    <p:sldId id="270" r:id="rId17"/>
+    <p:sldId id="278" r:id="rId18"/>
+    <p:sldId id="289" r:id="rId19"/>
+    <p:sldId id="290" r:id="rId20"/>
+    <p:sldId id="279" r:id="rId21"/>
   </p:sldIdLst>
   <p:sldSz cx="9144000" cy="6858000" type="screen4x3"/>
   <p:notesSz cx="6858000" cy="9144000"/>
@@ -1189,6 +1188,13 @@
         </dgm:presLayoutVars>
       </dgm:prSet>
       <dgm:spPr/>
+      <dgm:t>
+        <a:bodyPr/>
+        <a:lstStyle/>
+        <a:p>
+          <a:endParaRPr lang="es-MX"/>
+        </a:p>
+      </dgm:t>
     </dgm:pt>
     <dgm:pt modelId="{B3530AA7-3B07-45CD-A260-6AD1742D7E5D}" type="pres">
       <dgm:prSet presAssocID="{CADD769E-8BC2-46C5-A149-46EB4EF84E48}" presName="sibTrans" presStyleCnt="0"/>
@@ -1201,6 +1207,13 @@
         </dgm:presLayoutVars>
       </dgm:prSet>
       <dgm:spPr/>
+      <dgm:t>
+        <a:bodyPr/>
+        <a:lstStyle/>
+        <a:p>
+          <a:endParaRPr lang="es-MX"/>
+        </a:p>
+      </dgm:t>
     </dgm:pt>
     <dgm:pt modelId="{763A0CF6-ACB7-4418-84EC-4B06D9FC1C0C}" type="pres">
       <dgm:prSet presAssocID="{50CE4BCB-D136-4F1D-AE5B-2C97065D8093}" presName="sibTrans" presStyleCnt="0"/>
@@ -1213,6 +1226,13 @@
         </dgm:presLayoutVars>
       </dgm:prSet>
       <dgm:spPr/>
+      <dgm:t>
+        <a:bodyPr/>
+        <a:lstStyle/>
+        <a:p>
+          <a:endParaRPr lang="es-MX"/>
+        </a:p>
+      </dgm:t>
     </dgm:pt>
   </dgm:ptLst>
   <dgm:cxnLst>
@@ -1249,280 +1269,6 @@
       <dsp:cNvGrpSpPr/>
     </dsp:nvGrpSpPr>
     <dsp:grpSpPr/>
-    <dsp:sp modelId="{9F2CE639-64C7-4107-9EBD-5BD72F5EE4C5}">
-      <dsp:nvSpPr>
-        <dsp:cNvPr id="0" name=""/>
-        <dsp:cNvSpPr/>
-      </dsp:nvSpPr>
-      <dsp:spPr>
-        <a:xfrm>
-          <a:off x="465905" y="0"/>
-          <a:ext cx="5181600" cy="4064000"/>
-        </a:xfrm>
-        <a:prstGeom prst="rightArrow">
-          <a:avLst/>
-        </a:prstGeom>
-        <a:solidFill>
-          <a:schemeClr val="accent2">
-            <a:tint val="40000"/>
-            <a:hueOff val="0"/>
-            <a:satOff val="0"/>
-            <a:lumOff val="0"/>
-            <a:alphaOff val="0"/>
-          </a:schemeClr>
-        </a:solidFill>
-        <a:ln>
-          <a:noFill/>
-        </a:ln>
-        <a:effectLst/>
-      </dsp:spPr>
-      <dsp:style>
-        <a:lnRef idx="0">
-          <a:scrgbClr r="0" g="0" b="0"/>
-        </a:lnRef>
-        <a:fillRef idx="1">
-          <a:scrgbClr r="0" g="0" b="0"/>
-        </a:fillRef>
-        <a:effectRef idx="0">
-          <a:scrgbClr r="0" g="0" b="0"/>
-        </a:effectRef>
-        <a:fontRef idx="minor"/>
-      </dsp:style>
-    </dsp:sp>
-    <dsp:sp modelId="{2CDD2F51-7BB6-4FDD-A881-CFE4638662B6}">
-      <dsp:nvSpPr>
-        <dsp:cNvPr id="0" name=""/>
-        <dsp:cNvSpPr/>
-      </dsp:nvSpPr>
-      <dsp:spPr>
-        <a:xfrm>
-          <a:off x="186" y="1219199"/>
-          <a:ext cx="1929482" cy="1625600"/>
-        </a:xfrm>
-        <a:prstGeom prst="roundRect">
-          <a:avLst/>
-        </a:prstGeom>
-        <a:solidFill>
-          <a:schemeClr val="accent2">
-            <a:shade val="80000"/>
-            <a:hueOff val="0"/>
-            <a:satOff val="0"/>
-            <a:lumOff val="0"/>
-            <a:alphaOff val="0"/>
-          </a:schemeClr>
-        </a:solidFill>
-        <a:ln w="25400" cap="flat" cmpd="sng" algn="ctr">
-          <a:solidFill>
-            <a:schemeClr val="lt1">
-              <a:hueOff val="0"/>
-              <a:satOff val="0"/>
-              <a:lumOff val="0"/>
-              <a:alphaOff val="0"/>
-            </a:schemeClr>
-          </a:solidFill>
-          <a:prstDash val="solid"/>
-        </a:ln>
-        <a:effectLst/>
-      </dsp:spPr>
-      <dsp:style>
-        <a:lnRef idx="2">
-          <a:scrgbClr r="0" g="0" b="0"/>
-        </a:lnRef>
-        <a:fillRef idx="1">
-          <a:scrgbClr r="0" g="0" b="0"/>
-        </a:fillRef>
-        <a:effectRef idx="0">
-          <a:scrgbClr r="0" g="0" b="0"/>
-        </a:effectRef>
-        <a:fontRef idx="minor">
-          <a:schemeClr val="lt1"/>
-        </a:fontRef>
-      </dsp:style>
-      <dsp:txBody>
-        <a:bodyPr spcFirstLastPara="0" vert="horz" wrap="square" lIns="121920" tIns="121920" rIns="121920" bIns="121920" numCol="1" spcCol="1270" anchor="ctr" anchorCtr="0">
-          <a:noAutofit/>
-        </a:bodyPr>
-        <a:lstStyle/>
-        <a:p>
-          <a:pPr lvl="0" algn="ctr" defTabSz="1422400">
-            <a:lnSpc>
-              <a:spcPct val="90000"/>
-            </a:lnSpc>
-            <a:spcBef>
-              <a:spcPct val="0"/>
-            </a:spcBef>
-            <a:spcAft>
-              <a:spcPct val="35000"/>
-            </a:spcAft>
-          </a:pPr>
-          <a:r>
-            <a:rPr lang="es-MX" sz="3200" kern="1200" dirty="0" smtClean="0"/>
-            <a:t>Hipótesis</a:t>
-          </a:r>
-          <a:endParaRPr lang="es-MX" sz="3200" kern="1200" dirty="0"/>
-        </a:p>
-      </dsp:txBody>
-      <dsp:txXfrm>
-        <a:off x="79541" y="1298554"/>
-        <a:ext cx="1770772" cy="1466890"/>
-      </dsp:txXfrm>
-    </dsp:sp>
-    <dsp:sp modelId="{42FAC1CD-CC97-42A1-A70F-861A53265C51}">
-      <dsp:nvSpPr>
-        <dsp:cNvPr id="0" name=""/>
-        <dsp:cNvSpPr/>
-      </dsp:nvSpPr>
-      <dsp:spPr>
-        <a:xfrm>
-          <a:off x="2083258" y="1219199"/>
-          <a:ext cx="1929482" cy="1625600"/>
-        </a:xfrm>
-        <a:prstGeom prst="roundRect">
-          <a:avLst/>
-        </a:prstGeom>
-        <a:solidFill>
-          <a:schemeClr val="accent2">
-            <a:shade val="80000"/>
-            <a:hueOff val="-17936"/>
-            <a:satOff val="-2012"/>
-            <a:lumOff val="12840"/>
-            <a:alphaOff val="0"/>
-          </a:schemeClr>
-        </a:solidFill>
-        <a:ln w="25400" cap="flat" cmpd="sng" algn="ctr">
-          <a:solidFill>
-            <a:schemeClr val="lt1">
-              <a:hueOff val="0"/>
-              <a:satOff val="0"/>
-              <a:lumOff val="0"/>
-              <a:alphaOff val="0"/>
-            </a:schemeClr>
-          </a:solidFill>
-          <a:prstDash val="solid"/>
-        </a:ln>
-        <a:effectLst/>
-      </dsp:spPr>
-      <dsp:style>
-        <a:lnRef idx="2">
-          <a:scrgbClr r="0" g="0" b="0"/>
-        </a:lnRef>
-        <a:fillRef idx="1">
-          <a:scrgbClr r="0" g="0" b="0"/>
-        </a:fillRef>
-        <a:effectRef idx="0">
-          <a:scrgbClr r="0" g="0" b="0"/>
-        </a:effectRef>
-        <a:fontRef idx="minor">
-          <a:schemeClr val="lt1"/>
-        </a:fontRef>
-      </dsp:style>
-      <dsp:txBody>
-        <a:bodyPr spcFirstLastPara="0" vert="horz" wrap="square" lIns="121920" tIns="121920" rIns="121920" bIns="121920" numCol="1" spcCol="1270" anchor="ctr" anchorCtr="0">
-          <a:noAutofit/>
-        </a:bodyPr>
-        <a:lstStyle/>
-        <a:p>
-          <a:pPr lvl="0" algn="ctr" defTabSz="1422400">
-            <a:lnSpc>
-              <a:spcPct val="90000"/>
-            </a:lnSpc>
-            <a:spcBef>
-              <a:spcPct val="0"/>
-            </a:spcBef>
-            <a:spcAft>
-              <a:spcPct val="35000"/>
-            </a:spcAft>
-          </a:pPr>
-          <a:r>
-            <a:rPr lang="es-MX" sz="3200" kern="1200" dirty="0" smtClean="0"/>
-            <a:t>Teoría</a:t>
-          </a:r>
-          <a:endParaRPr lang="es-MX" sz="3200" kern="1200" dirty="0"/>
-        </a:p>
-      </dsp:txBody>
-      <dsp:txXfrm>
-        <a:off x="2162613" y="1298554"/>
-        <a:ext cx="1770772" cy="1466890"/>
-      </dsp:txXfrm>
-    </dsp:sp>
-    <dsp:sp modelId="{352EE843-CB9C-42D3-94E8-DC2EF63F1F20}">
-      <dsp:nvSpPr>
-        <dsp:cNvPr id="0" name=""/>
-        <dsp:cNvSpPr/>
-      </dsp:nvSpPr>
-      <dsp:spPr>
-        <a:xfrm>
-          <a:off x="4166331" y="1219199"/>
-          <a:ext cx="1929482" cy="1625600"/>
-        </a:xfrm>
-        <a:prstGeom prst="roundRect">
-          <a:avLst/>
-        </a:prstGeom>
-        <a:solidFill>
-          <a:schemeClr val="accent2">
-            <a:shade val="80000"/>
-            <a:hueOff val="-35872"/>
-            <a:satOff val="-4024"/>
-            <a:lumOff val="25680"/>
-            <a:alphaOff val="0"/>
-          </a:schemeClr>
-        </a:solidFill>
-        <a:ln w="25400" cap="flat" cmpd="sng" algn="ctr">
-          <a:solidFill>
-            <a:schemeClr val="lt1">
-              <a:hueOff val="0"/>
-              <a:satOff val="0"/>
-              <a:lumOff val="0"/>
-              <a:alphaOff val="0"/>
-            </a:schemeClr>
-          </a:solidFill>
-          <a:prstDash val="solid"/>
-        </a:ln>
-        <a:effectLst/>
-      </dsp:spPr>
-      <dsp:style>
-        <a:lnRef idx="2">
-          <a:scrgbClr r="0" g="0" b="0"/>
-        </a:lnRef>
-        <a:fillRef idx="1">
-          <a:scrgbClr r="0" g="0" b="0"/>
-        </a:fillRef>
-        <a:effectRef idx="0">
-          <a:scrgbClr r="0" g="0" b="0"/>
-        </a:effectRef>
-        <a:fontRef idx="minor">
-          <a:schemeClr val="lt1"/>
-        </a:fontRef>
-      </dsp:style>
-      <dsp:txBody>
-        <a:bodyPr spcFirstLastPara="0" vert="horz" wrap="square" lIns="121920" tIns="121920" rIns="121920" bIns="121920" numCol="1" spcCol="1270" anchor="ctr" anchorCtr="0">
-          <a:noAutofit/>
-        </a:bodyPr>
-        <a:lstStyle/>
-        <a:p>
-          <a:pPr lvl="0" algn="ctr" defTabSz="1422400">
-            <a:lnSpc>
-              <a:spcPct val="90000"/>
-            </a:lnSpc>
-            <a:spcBef>
-              <a:spcPct val="0"/>
-            </a:spcBef>
-            <a:spcAft>
-              <a:spcPct val="35000"/>
-            </a:spcAft>
-          </a:pPr>
-          <a:r>
-            <a:rPr lang="es-MX" sz="3200" kern="1200" dirty="0" smtClean="0"/>
-            <a:t>Ley</a:t>
-          </a:r>
-          <a:endParaRPr lang="es-MX" sz="3200" kern="1200" dirty="0"/>
-        </a:p>
-      </dsp:txBody>
-      <dsp:txXfrm>
-        <a:off x="4245686" y="1298554"/>
-        <a:ext cx="1770772" cy="1466890"/>
-      </dsp:txXfrm>
-    </dsp:sp>
   </dsp:spTree>
 </dsp:drawing>
 </file>
@@ -2797,7 +2543,7 @@
           <a:p>
             <a:fld id="{7EF97665-3E81-054F-B025-0576EB185728}" type="datetimeFigureOut">
               <a:rPr lang="en-US" smtClean="0"/>
-              <a:t>9/26/2019</a:t>
+              <a:t>10/10/2019</a:t>
             </a:fld>
             <a:endParaRPr lang="es-ES_tradnl"/>
           </a:p>
@@ -3130,7 +2876,7 @@
           <a:p>
             <a:fld id="{C3A7E263-CDA7-3544-870C-4FD4D81EB1ED}" type="slidenum">
               <a:rPr lang="es-ES_tradnl" smtClean="0"/>
-              <a:t>10</a:t>
+              <a:t>9</a:t>
             </a:fld>
             <a:endParaRPr lang="es-ES_tradnl"/>
           </a:p>
@@ -3214,7 +2960,7 @@
           <a:p>
             <a:fld id="{C3A7E263-CDA7-3544-870C-4FD4D81EB1ED}" type="slidenum">
               <a:rPr lang="es-ES_tradnl" smtClean="0"/>
-              <a:t>14</a:t>
+              <a:t>13</a:t>
             </a:fld>
             <a:endParaRPr lang="es-ES_tradnl"/>
           </a:p>
@@ -3298,7 +3044,7 @@
           <a:p>
             <a:fld id="{C3A7E263-CDA7-3544-870C-4FD4D81EB1ED}" type="slidenum">
               <a:rPr lang="es-ES_tradnl" smtClean="0"/>
-              <a:t>15</a:t>
+              <a:t>14</a:t>
             </a:fld>
             <a:endParaRPr lang="es-ES_tradnl"/>
           </a:p>
@@ -3405,7 +3151,7 @@
           <a:p>
             <a:fld id="{C3A7E263-CDA7-3544-870C-4FD4D81EB1ED}" type="slidenum">
               <a:rPr lang="es-ES_tradnl" smtClean="0"/>
-              <a:t>21</a:t>
+              <a:t>20</a:t>
             </a:fld>
             <a:endParaRPr lang="es-ES_tradnl"/>
           </a:p>
@@ -3605,7 +3351,7 @@
           <a:p>
             <a:fld id="{DC823792-E508-3E4A-B75B-0F862273742D}" type="datetimeFigureOut">
               <a:rPr lang="en-US" smtClean="0"/>
-              <a:t>9/26/2019</a:t>
+              <a:t>10/10/2019</a:t>
             </a:fld>
             <a:endParaRPr lang="es-ES_tradnl"/>
           </a:p>
@@ -3775,7 +3521,7 @@
           <a:p>
             <a:fld id="{DC823792-E508-3E4A-B75B-0F862273742D}" type="datetimeFigureOut">
               <a:rPr lang="en-US" smtClean="0"/>
-              <a:t>9/26/2019</a:t>
+              <a:t>10/10/2019</a:t>
             </a:fld>
             <a:endParaRPr lang="es-ES_tradnl"/>
           </a:p>
@@ -3955,7 +3701,7 @@
           <a:p>
             <a:fld id="{DC823792-E508-3E4A-B75B-0F862273742D}" type="datetimeFigureOut">
               <a:rPr lang="en-US" smtClean="0"/>
-              <a:t>9/26/2019</a:t>
+              <a:t>10/10/2019</a:t>
             </a:fld>
             <a:endParaRPr lang="es-ES_tradnl"/>
           </a:p>
@@ -4125,7 +3871,7 @@
           <a:p>
             <a:fld id="{DC823792-E508-3E4A-B75B-0F862273742D}" type="datetimeFigureOut">
               <a:rPr lang="en-US" smtClean="0"/>
-              <a:t>9/26/2019</a:t>
+              <a:t>10/10/2019</a:t>
             </a:fld>
             <a:endParaRPr lang="es-ES_tradnl"/>
           </a:p>
@@ -4371,7 +4117,7 @@
           <a:p>
             <a:fld id="{DC823792-E508-3E4A-B75B-0F862273742D}" type="datetimeFigureOut">
               <a:rPr lang="en-US" smtClean="0"/>
-              <a:t>9/26/2019</a:t>
+              <a:t>10/10/2019</a:t>
             </a:fld>
             <a:endParaRPr lang="es-ES_tradnl"/>
           </a:p>
@@ -4659,7 +4405,7 @@
           <a:p>
             <a:fld id="{DC823792-E508-3E4A-B75B-0F862273742D}" type="datetimeFigureOut">
               <a:rPr lang="en-US" smtClean="0"/>
-              <a:t>9/26/2019</a:t>
+              <a:t>10/10/2019</a:t>
             </a:fld>
             <a:endParaRPr lang="es-ES_tradnl"/>
           </a:p>
@@ -5081,7 +4827,7 @@
           <a:p>
             <a:fld id="{DC823792-E508-3E4A-B75B-0F862273742D}" type="datetimeFigureOut">
               <a:rPr lang="en-US" smtClean="0"/>
-              <a:t>9/26/2019</a:t>
+              <a:t>10/10/2019</a:t>
             </a:fld>
             <a:endParaRPr lang="es-ES_tradnl"/>
           </a:p>
@@ -5199,7 +4945,7 @@
           <a:p>
             <a:fld id="{DC823792-E508-3E4A-B75B-0F862273742D}" type="datetimeFigureOut">
               <a:rPr lang="en-US" smtClean="0"/>
-              <a:t>9/26/2019</a:t>
+              <a:t>10/10/2019</a:t>
             </a:fld>
             <a:endParaRPr lang="es-ES_tradnl"/>
           </a:p>
@@ -5294,7 +5040,7 @@
           <a:p>
             <a:fld id="{DC823792-E508-3E4A-B75B-0F862273742D}" type="datetimeFigureOut">
               <a:rPr lang="en-US" smtClean="0"/>
-              <a:t>9/26/2019</a:t>
+              <a:t>10/10/2019</a:t>
             </a:fld>
             <a:endParaRPr lang="es-ES_tradnl"/>
           </a:p>
@@ -5571,7 +5317,7 @@
           <a:p>
             <a:fld id="{DC823792-E508-3E4A-B75B-0F862273742D}" type="datetimeFigureOut">
               <a:rPr lang="en-US" smtClean="0"/>
-              <a:t>9/26/2019</a:t>
+              <a:t>10/10/2019</a:t>
             </a:fld>
             <a:endParaRPr lang="es-ES_tradnl"/>
           </a:p>
@@ -5824,7 +5570,7 @@
           <a:p>
             <a:fld id="{DC823792-E508-3E4A-B75B-0F862273742D}" type="datetimeFigureOut">
               <a:rPr lang="en-US" smtClean="0"/>
-              <a:t>9/26/2019</a:t>
+              <a:t>10/10/2019</a:t>
             </a:fld>
             <a:endParaRPr lang="es-ES_tradnl"/>
           </a:p>
@@ -6037,7 +5783,7 @@
           <a:p>
             <a:fld id="{DC823792-E508-3E4A-B75B-0F862273742D}" type="datetimeFigureOut">
               <a:rPr lang="en-US" smtClean="0"/>
-              <a:t>9/26/2019</a:t>
+              <a:t>10/10/2019</a:t>
             </a:fld>
             <a:endParaRPr lang="es-ES_tradnl"/>
           </a:p>
@@ -6656,44 +6402,332 @@
             <p:ph idx="1"/>
           </p:nvPr>
         </p:nvSpPr>
-        <p:spPr>
-          <a:xfrm>
-            <a:off x="457199" y="1166018"/>
-            <a:ext cx="8229600" cy="4525963"/>
-          </a:xfrm>
-        </p:spPr>
-        <p:txBody>
-          <a:bodyPr>
-            <a:normAutofit/>
-          </a:bodyPr>
-          <a:lstStyle/>
-          <a:p>
-            <a:pPr marL="0" indent="0">
-              <a:buNone/>
-            </a:pPr>
-            <a:r>
-              <a:rPr lang="es-ES_tradnl" b="1" dirty="0" smtClean="0"/>
-              <a:t>El marco teórico </a:t>
-            </a:r>
-            <a:r>
-              <a:rPr lang="es-ES_tradnl" b="1" dirty="0" smtClean="0">
+        <p:spPr/>
+        <p:txBody>
+          <a:bodyPr/>
+          <a:lstStyle/>
+          <a:p>
+            <a:r>
+              <a:rPr lang="en-GB" dirty="0" smtClean="0"/>
+              <a:t>Un </a:t>
+            </a:r>
+            <a:r>
+              <a:rPr lang="en-GB" dirty="0" err="1" smtClean="0"/>
+              <a:t>buen</a:t>
+            </a:r>
+            <a:r>
+              <a:rPr lang="en-GB" dirty="0" smtClean="0"/>
+              <a:t> </a:t>
+            </a:r>
+            <a:r>
+              <a:rPr lang="en-GB" dirty="0" err="1" smtClean="0"/>
+              <a:t>marco</a:t>
+            </a:r>
+            <a:r>
+              <a:rPr lang="en-GB" dirty="0" smtClean="0"/>
+              <a:t> </a:t>
+            </a:r>
+            <a:r>
+              <a:rPr lang="en-GB" dirty="0" err="1" smtClean="0"/>
+              <a:t>teórico</a:t>
+            </a:r>
+            <a:r>
+              <a:rPr lang="en-GB" dirty="0" smtClean="0"/>
+              <a:t> no </a:t>
+            </a:r>
+            <a:r>
+              <a:rPr lang="en-GB" dirty="0" err="1" smtClean="0"/>
+              <a:t>es</a:t>
+            </a:r>
+            <a:r>
+              <a:rPr lang="en-GB" dirty="0" smtClean="0"/>
+              <a:t> </a:t>
+            </a:r>
+            <a:r>
+              <a:rPr lang="en-GB" dirty="0" err="1" smtClean="0"/>
+              <a:t>aquel</a:t>
+            </a:r>
+            <a:r>
+              <a:rPr lang="en-GB" dirty="0" smtClean="0"/>
+              <a:t> que </a:t>
+            </a:r>
+            <a:r>
+              <a:rPr lang="en-GB" dirty="0" err="1" smtClean="0"/>
+              <a:t>contiene</a:t>
+            </a:r>
+            <a:r>
+              <a:rPr lang="en-GB" dirty="0" smtClean="0"/>
+              <a:t> </a:t>
+            </a:r>
+            <a:r>
+              <a:rPr lang="en-GB" dirty="0" err="1" smtClean="0"/>
+              <a:t>muchas</a:t>
+            </a:r>
+            <a:r>
+              <a:rPr lang="en-GB" dirty="0" smtClean="0"/>
+              <a:t> </a:t>
+            </a:r>
+            <a:r>
+              <a:rPr lang="en-GB" dirty="0" err="1" smtClean="0"/>
+              <a:t>páginas</a:t>
+            </a:r>
+            <a:r>
+              <a:rPr lang="en-GB" dirty="0" smtClean="0"/>
+              <a:t>, </a:t>
+            </a:r>
+            <a:r>
+              <a:rPr lang="en-GB" dirty="0" err="1" smtClean="0"/>
+              <a:t>sino</a:t>
+            </a:r>
+            <a:r>
+              <a:rPr lang="en-GB" dirty="0" smtClean="0"/>
+              <a:t> que </a:t>
+            </a:r>
+            <a:r>
+              <a:rPr lang="en-GB" dirty="0" err="1" smtClean="0"/>
+              <a:t>trata</a:t>
+            </a:r>
+            <a:r>
+              <a:rPr lang="en-GB" dirty="0" smtClean="0"/>
+              <a:t> con </a:t>
+            </a:r>
+            <a:r>
+              <a:rPr lang="en-GB" dirty="0" err="1" smtClean="0"/>
+              <a:t>profundidad</a:t>
+            </a:r>
+            <a:r>
+              <a:rPr lang="en-GB" dirty="0" smtClean="0"/>
+              <a:t> </a:t>
+            </a:r>
+            <a:r>
+              <a:rPr lang="en-GB" dirty="0" err="1" smtClean="0"/>
+              <a:t>los</a:t>
+            </a:r>
+            <a:r>
+              <a:rPr lang="en-GB" dirty="0" smtClean="0"/>
+              <a:t> </a:t>
+            </a:r>
+            <a:r>
+              <a:rPr lang="en-GB" dirty="0" err="1" smtClean="0"/>
+              <a:t>aspectos</a:t>
+            </a:r>
+            <a:r>
+              <a:rPr lang="en-GB" dirty="0" smtClean="0"/>
+              <a:t> </a:t>
+            </a:r>
+            <a:r>
+              <a:rPr lang="en-GB" dirty="0" err="1" smtClean="0"/>
+              <a:t>relacionados</a:t>
+            </a:r>
+            <a:r>
+              <a:rPr lang="en-GB" dirty="0" smtClean="0"/>
+              <a:t> con el </a:t>
+            </a:r>
+            <a:r>
+              <a:rPr lang="en-GB" dirty="0" err="1" smtClean="0"/>
+              <a:t>problema</a:t>
+            </a:r>
+            <a:r>
+              <a:rPr lang="en-GB" dirty="0" smtClean="0"/>
+              <a:t> y que vincula de </a:t>
+            </a:r>
+            <a:r>
+              <a:rPr lang="en-GB" dirty="0" err="1" smtClean="0"/>
+              <a:t>manera</a:t>
+            </a:r>
+            <a:r>
+              <a:rPr lang="en-GB" dirty="0" smtClean="0"/>
+              <a:t> </a:t>
+            </a:r>
+            <a:r>
+              <a:rPr lang="en-GB" dirty="0" err="1" smtClean="0"/>
+              <a:t>lógica</a:t>
+            </a:r>
+            <a:r>
+              <a:rPr lang="en-GB" dirty="0" smtClean="0"/>
+              <a:t> y </a:t>
+            </a:r>
+            <a:r>
+              <a:rPr lang="en-GB" dirty="0" err="1" smtClean="0"/>
+              <a:t>coherente</a:t>
+            </a:r>
+            <a:r>
+              <a:rPr lang="en-GB" dirty="0" smtClean="0"/>
+              <a:t> </a:t>
+            </a:r>
+            <a:r>
+              <a:rPr lang="en-GB" dirty="0" err="1" smtClean="0"/>
+              <a:t>los</a:t>
+            </a:r>
+            <a:r>
+              <a:rPr lang="en-GB" dirty="0" smtClean="0"/>
+              <a:t> </a:t>
+            </a:r>
+            <a:r>
+              <a:rPr lang="en-GB" dirty="0" err="1" smtClean="0"/>
+              <a:t>conceptos</a:t>
+            </a:r>
+            <a:r>
+              <a:rPr lang="en-GB" dirty="0" smtClean="0"/>
+              <a:t> y </a:t>
+            </a:r>
+            <a:r>
+              <a:rPr lang="en-GB" dirty="0" err="1" smtClean="0"/>
+              <a:t>proposiciones</a:t>
+            </a:r>
+            <a:r>
+              <a:rPr lang="en-GB" dirty="0" smtClean="0"/>
+              <a:t> </a:t>
+            </a:r>
+            <a:r>
+              <a:rPr lang="en-GB" dirty="0" err="1" smtClean="0"/>
+              <a:t>existentes</a:t>
+            </a:r>
+            <a:r>
+              <a:rPr lang="en-GB" dirty="0" smtClean="0"/>
+              <a:t>. </a:t>
+            </a:r>
+          </a:p>
+          <a:p>
+            <a:r>
+              <a:rPr lang="en-GB" b="1" dirty="0" smtClean="0">
                 <a:solidFill>
                   <a:srgbClr val="FF0000"/>
                 </a:solidFill>
               </a:rPr>
-              <a:t>no es un tratado exhaustivo </a:t>
-            </a:r>
-            <a:r>
-              <a:rPr lang="es-ES_tradnl" b="1" dirty="0" smtClean="0"/>
-              <a:t>sobre todo lo que hay que saber de un tema en general, si no que se debe delimitar a los antecedentes específicos que dan soporte al estudio en desarrollo. </a:t>
-            </a:r>
-            <a:endParaRPr lang="es-ES_tradnl" b="1" dirty="0"/>
-          </a:p>
-        </p:txBody>
-      </p:sp>
-      <p:sp>
-        <p:nvSpPr>
-          <p:cNvPr id="5" name="Rectángulo 4"/>
+              <a:t>No </a:t>
+            </a:r>
+            <a:r>
+              <a:rPr lang="en-GB" b="1" dirty="0" err="1" smtClean="0">
+                <a:solidFill>
+                  <a:srgbClr val="FF0000"/>
+                </a:solidFill>
+              </a:rPr>
+              <a:t>significa</a:t>
+            </a:r>
+            <a:r>
+              <a:rPr lang="en-GB" b="1" dirty="0" smtClean="0">
+                <a:solidFill>
+                  <a:srgbClr val="FF0000"/>
+                </a:solidFill>
+              </a:rPr>
+              <a:t> </a:t>
+            </a:r>
+            <a:r>
+              <a:rPr lang="en-GB" b="1" dirty="0" err="1" smtClean="0">
+                <a:solidFill>
+                  <a:srgbClr val="FF0000"/>
+                </a:solidFill>
+              </a:rPr>
+              <a:t>sólo</a:t>
+            </a:r>
+            <a:r>
+              <a:rPr lang="en-GB" b="1" dirty="0" smtClean="0">
+                <a:solidFill>
+                  <a:srgbClr val="FF0000"/>
+                </a:solidFill>
+              </a:rPr>
+              <a:t> </a:t>
+            </a:r>
+            <a:r>
+              <a:rPr lang="en-GB" b="1" dirty="0" err="1" smtClean="0">
+                <a:solidFill>
+                  <a:srgbClr val="FF0000"/>
+                </a:solidFill>
+              </a:rPr>
+              <a:t>recopilar</a:t>
+            </a:r>
+            <a:r>
+              <a:rPr lang="en-GB" b="1" dirty="0" smtClean="0">
+                <a:solidFill>
+                  <a:srgbClr val="FF0000"/>
+                </a:solidFill>
+              </a:rPr>
+              <a:t> </a:t>
+            </a:r>
+            <a:r>
+              <a:rPr lang="en-GB" b="1" dirty="0" err="1" smtClean="0">
+                <a:solidFill>
+                  <a:srgbClr val="FF0000"/>
+                </a:solidFill>
+              </a:rPr>
+              <a:t>información</a:t>
+            </a:r>
+            <a:r>
+              <a:rPr lang="en-GB" b="1" dirty="0" smtClean="0">
+                <a:solidFill>
+                  <a:srgbClr val="FF0000"/>
+                </a:solidFill>
+              </a:rPr>
+              <a:t>, </a:t>
+            </a:r>
+            <a:r>
+              <a:rPr lang="en-GB" b="1" dirty="0" err="1" smtClean="0">
+                <a:solidFill>
+                  <a:srgbClr val="FF0000"/>
+                </a:solidFill>
+              </a:rPr>
+              <a:t>sino</a:t>
+            </a:r>
+            <a:r>
+              <a:rPr lang="en-GB" b="1" dirty="0" smtClean="0">
+                <a:solidFill>
+                  <a:srgbClr val="FF0000"/>
+                </a:solidFill>
+              </a:rPr>
+              <a:t> </a:t>
+            </a:r>
+            <a:r>
+              <a:rPr lang="en-GB" b="1" dirty="0" err="1" smtClean="0">
+                <a:solidFill>
+                  <a:srgbClr val="FF0000"/>
+                </a:solidFill>
+              </a:rPr>
+              <a:t>también</a:t>
+            </a:r>
+            <a:r>
+              <a:rPr lang="en-GB" b="1" dirty="0" smtClean="0">
+                <a:solidFill>
+                  <a:srgbClr val="FF0000"/>
+                </a:solidFill>
+              </a:rPr>
+              <a:t> </a:t>
+            </a:r>
+            <a:r>
+              <a:rPr lang="en-GB" b="1" dirty="0" err="1" smtClean="0">
+                <a:solidFill>
+                  <a:srgbClr val="FF0000"/>
+                </a:solidFill>
+              </a:rPr>
+              <a:t>ligarla</a:t>
+            </a:r>
+            <a:r>
+              <a:rPr lang="en-GB" b="1" dirty="0" smtClean="0">
+                <a:solidFill>
+                  <a:srgbClr val="FF0000"/>
+                </a:solidFill>
+              </a:rPr>
+              <a:t> e </a:t>
+            </a:r>
+            <a:r>
+              <a:rPr lang="en-GB" b="1" dirty="0" err="1" smtClean="0">
+                <a:solidFill>
+                  <a:srgbClr val="FF0000"/>
+                </a:solidFill>
+              </a:rPr>
+              <a:t>interpretarla</a:t>
+            </a:r>
+            <a:r>
+              <a:rPr lang="en-GB" dirty="0" smtClean="0"/>
+              <a:t>. </a:t>
+            </a:r>
+            <a:endParaRPr lang="en-GB" dirty="0"/>
+          </a:p>
+        </p:txBody>
+      </p:sp>
+      <p:sp>
+        <p:nvSpPr>
+          <p:cNvPr id="4" name="Rectángulo 3"/>
           <p:cNvSpPr/>
           <p:nvPr/>
         </p:nvSpPr>
@@ -6731,7 +6765,7 @@
       </p:sp>
       <p:sp>
         <p:nvSpPr>
-          <p:cNvPr id="6" name="Rectángulo 5"/>
+          <p:cNvPr id="5" name="Rectángulo 4"/>
           <p:cNvSpPr/>
           <p:nvPr/>
         </p:nvSpPr>
@@ -6769,521 +6803,6 @@
       </p:sp>
       <p:sp>
         <p:nvSpPr>
-          <p:cNvPr id="7" name="Título 6"/>
-          <p:cNvSpPr>
-            <a:spLocks noGrp="1"/>
-          </p:cNvSpPr>
-          <p:nvPr>
-            <p:ph type="title"/>
-          </p:nvPr>
-        </p:nvSpPr>
-        <p:spPr/>
-        <p:txBody>
-          <a:bodyPr>
-            <a:normAutofit fontScale="90000"/>
-          </a:bodyPr>
-          <a:lstStyle/>
-          <a:p>
-            <a:r>
-              <a:rPr lang="es-MX" dirty="0" smtClean="0"/>
-              <a:t/>
-            </a:r>
-            <a:br>
-              <a:rPr lang="es-MX" dirty="0" smtClean="0"/>
-            </a:br>
-            <a:endParaRPr lang="es-MX" dirty="0"/>
-          </a:p>
-        </p:txBody>
-      </p:sp>
-      <p:pic>
-        <p:nvPicPr>
-          <p:cNvPr id="2052" name="Picture 4" descr="Resultado de imagen para estres laboral"/>
-          <p:cNvPicPr>
-            <a:picLocks noChangeAspect="1" noChangeArrowheads="1"/>
-          </p:cNvPicPr>
-          <p:nvPr/>
-        </p:nvPicPr>
-        <p:blipFill>
-          <a:blip r:embed="rId3">
-            <a:extLst>
-              <a:ext uri="{28A0092B-C50C-407E-A947-70E740481C1C}">
-                <a14:useLocalDpi xmlns:a14="http://schemas.microsoft.com/office/drawing/2010/main" val="0"/>
-              </a:ext>
-            </a:extLst>
-          </a:blip>
-          <a:srcRect/>
-          <a:stretch>
-            <a:fillRect/>
-          </a:stretch>
-        </p:blipFill>
-        <p:spPr bwMode="auto">
-          <a:xfrm>
-            <a:off x="3348547" y="3863181"/>
-            <a:ext cx="2446905" cy="2081898"/>
-          </a:xfrm>
-          <a:prstGeom prst="rect">
-            <a:avLst/>
-          </a:prstGeom>
-          <a:noFill/>
-          <a:extLst>
-            <a:ext uri="{909E8E84-426E-40DD-AFC4-6F175D3DCCD1}">
-              <a14:hiddenFill xmlns:a14="http://schemas.microsoft.com/office/drawing/2010/main">
-                <a:solidFill>
-                  <a:srgbClr val="FFFFFF"/>
-                </a:solidFill>
-              </a14:hiddenFill>
-            </a:ext>
-          </a:extLst>
-        </p:spPr>
-      </p:pic>
-    </p:spTree>
-    <p:extLst>
-      <p:ext uri="{BB962C8B-B14F-4D97-AF65-F5344CB8AC3E}">
-        <p14:creationId xmlns:p14="http://schemas.microsoft.com/office/powerpoint/2010/main" val="607861470"/>
-      </p:ext>
-    </p:extLst>
-  </p:cSld>
-  <p:clrMapOvr>
-    <a:masterClrMapping/>
-  </p:clrMapOvr>
-  <p:timing>
-    <p:tnLst>
-      <p:par>
-        <p:cTn id="1" dur="indefinite" restart="never" nodeType="tmRoot"/>
-      </p:par>
-    </p:tnLst>
-  </p:timing>
-</p:sld>
-</file>
-
-<file path=ppt/slides/slide11.xml><?xml version="1.0" encoding="utf-8"?>
-<p:sld xmlns:a="http://schemas.openxmlformats.org/drawingml/2006/main" xmlns:r="http://schemas.openxmlformats.org/officeDocument/2006/relationships" xmlns:p="http://schemas.openxmlformats.org/presentationml/2006/main">
-  <p:cSld>
-    <p:spTree>
-      <p:nvGrpSpPr>
-        <p:cNvPr id="1" name=""/>
-        <p:cNvGrpSpPr/>
-        <p:nvPr/>
-      </p:nvGrpSpPr>
-      <p:grpSpPr>
-        <a:xfrm>
-          <a:off x="0" y="0"/>
-          <a:ext cx="0" cy="0"/>
-          <a:chOff x="0" y="0"/>
-          <a:chExt cx="0" cy="0"/>
-        </a:xfrm>
-      </p:grpSpPr>
-      <p:sp>
-        <p:nvSpPr>
-          <p:cNvPr id="3" name="Content Placeholder 2"/>
-          <p:cNvSpPr>
-            <a:spLocks noGrp="1"/>
-          </p:cNvSpPr>
-          <p:nvPr>
-            <p:ph idx="1"/>
-          </p:nvPr>
-        </p:nvSpPr>
-        <p:spPr/>
-        <p:txBody>
-          <a:bodyPr/>
-          <a:lstStyle/>
-          <a:p>
-            <a:r>
-              <a:rPr lang="en-GB" dirty="0" smtClean="0"/>
-              <a:t>Un </a:t>
-            </a:r>
-            <a:r>
-              <a:rPr lang="en-GB" dirty="0" err="1" smtClean="0"/>
-              <a:t>buen</a:t>
-            </a:r>
-            <a:r>
-              <a:rPr lang="en-GB" dirty="0" smtClean="0"/>
-              <a:t> </a:t>
-            </a:r>
-            <a:r>
-              <a:rPr lang="en-GB" dirty="0" err="1" smtClean="0"/>
-              <a:t>marco</a:t>
-            </a:r>
-            <a:r>
-              <a:rPr lang="en-GB" dirty="0" smtClean="0"/>
-              <a:t> </a:t>
-            </a:r>
-            <a:r>
-              <a:rPr lang="en-GB" dirty="0" err="1" smtClean="0"/>
-              <a:t>teórico</a:t>
-            </a:r>
-            <a:r>
-              <a:rPr lang="en-GB" dirty="0" smtClean="0"/>
-              <a:t> no </a:t>
-            </a:r>
-            <a:r>
-              <a:rPr lang="en-GB" dirty="0" err="1" smtClean="0"/>
-              <a:t>es</a:t>
-            </a:r>
-            <a:r>
-              <a:rPr lang="en-GB" dirty="0" smtClean="0"/>
-              <a:t> </a:t>
-            </a:r>
-            <a:r>
-              <a:rPr lang="en-GB" dirty="0" err="1" smtClean="0"/>
-              <a:t>aquel</a:t>
-            </a:r>
-            <a:r>
-              <a:rPr lang="en-GB" dirty="0" smtClean="0"/>
-              <a:t> que </a:t>
-            </a:r>
-            <a:r>
-              <a:rPr lang="en-GB" dirty="0" err="1" smtClean="0"/>
-              <a:t>contiene</a:t>
-            </a:r>
-            <a:r>
-              <a:rPr lang="en-GB" dirty="0" smtClean="0"/>
-              <a:t> </a:t>
-            </a:r>
-            <a:r>
-              <a:rPr lang="en-GB" dirty="0" err="1" smtClean="0"/>
-              <a:t>muchas</a:t>
-            </a:r>
-            <a:r>
-              <a:rPr lang="en-GB" dirty="0" smtClean="0"/>
-              <a:t> </a:t>
-            </a:r>
-            <a:r>
-              <a:rPr lang="en-GB" dirty="0" err="1" smtClean="0"/>
-              <a:t>páginas</a:t>
-            </a:r>
-            <a:r>
-              <a:rPr lang="en-GB" dirty="0" smtClean="0"/>
-              <a:t>, </a:t>
-            </a:r>
-            <a:r>
-              <a:rPr lang="en-GB" dirty="0" err="1" smtClean="0"/>
-              <a:t>sino</a:t>
-            </a:r>
-            <a:r>
-              <a:rPr lang="en-GB" dirty="0" smtClean="0"/>
-              <a:t> que </a:t>
-            </a:r>
-            <a:r>
-              <a:rPr lang="en-GB" dirty="0" err="1" smtClean="0"/>
-              <a:t>trata</a:t>
-            </a:r>
-            <a:r>
-              <a:rPr lang="en-GB" dirty="0" smtClean="0"/>
-              <a:t> con </a:t>
-            </a:r>
-            <a:r>
-              <a:rPr lang="en-GB" dirty="0" err="1" smtClean="0"/>
-              <a:t>profundidad</a:t>
-            </a:r>
-            <a:r>
-              <a:rPr lang="en-GB" dirty="0" smtClean="0"/>
-              <a:t> </a:t>
-            </a:r>
-            <a:r>
-              <a:rPr lang="en-GB" dirty="0" err="1" smtClean="0"/>
-              <a:t>los</a:t>
-            </a:r>
-            <a:r>
-              <a:rPr lang="en-GB" dirty="0" smtClean="0"/>
-              <a:t> </a:t>
-            </a:r>
-            <a:r>
-              <a:rPr lang="en-GB" dirty="0" err="1" smtClean="0"/>
-              <a:t>aspectos</a:t>
-            </a:r>
-            <a:r>
-              <a:rPr lang="en-GB" dirty="0" smtClean="0"/>
-              <a:t> </a:t>
-            </a:r>
-            <a:r>
-              <a:rPr lang="en-GB" dirty="0" err="1" smtClean="0"/>
-              <a:t>relacionados</a:t>
-            </a:r>
-            <a:r>
-              <a:rPr lang="en-GB" dirty="0" smtClean="0"/>
-              <a:t> con el </a:t>
-            </a:r>
-            <a:r>
-              <a:rPr lang="en-GB" dirty="0" err="1" smtClean="0"/>
-              <a:t>problema</a:t>
-            </a:r>
-            <a:r>
-              <a:rPr lang="en-GB" dirty="0" smtClean="0"/>
-              <a:t> y que vincula de </a:t>
-            </a:r>
-            <a:r>
-              <a:rPr lang="en-GB" dirty="0" err="1" smtClean="0"/>
-              <a:t>manera</a:t>
-            </a:r>
-            <a:r>
-              <a:rPr lang="en-GB" dirty="0" smtClean="0"/>
-              <a:t> </a:t>
-            </a:r>
-            <a:r>
-              <a:rPr lang="en-GB" dirty="0" err="1" smtClean="0"/>
-              <a:t>lógica</a:t>
-            </a:r>
-            <a:r>
-              <a:rPr lang="en-GB" dirty="0" smtClean="0"/>
-              <a:t> y </a:t>
-            </a:r>
-            <a:r>
-              <a:rPr lang="en-GB" dirty="0" err="1" smtClean="0"/>
-              <a:t>coherente</a:t>
-            </a:r>
-            <a:r>
-              <a:rPr lang="en-GB" dirty="0" smtClean="0"/>
-              <a:t> </a:t>
-            </a:r>
-            <a:r>
-              <a:rPr lang="en-GB" dirty="0" err="1" smtClean="0"/>
-              <a:t>los</a:t>
-            </a:r>
-            <a:r>
-              <a:rPr lang="en-GB" dirty="0" smtClean="0"/>
-              <a:t> </a:t>
-            </a:r>
-            <a:r>
-              <a:rPr lang="en-GB" dirty="0" err="1" smtClean="0"/>
-              <a:t>conceptos</a:t>
-            </a:r>
-            <a:r>
-              <a:rPr lang="en-GB" dirty="0" smtClean="0"/>
-              <a:t> y </a:t>
-            </a:r>
-            <a:r>
-              <a:rPr lang="en-GB" dirty="0" err="1" smtClean="0"/>
-              <a:t>proposiciones</a:t>
-            </a:r>
-            <a:r>
-              <a:rPr lang="en-GB" dirty="0" smtClean="0"/>
-              <a:t> </a:t>
-            </a:r>
-            <a:r>
-              <a:rPr lang="en-GB" dirty="0" err="1" smtClean="0"/>
-              <a:t>existentes</a:t>
-            </a:r>
-            <a:r>
-              <a:rPr lang="en-GB" dirty="0" smtClean="0"/>
-              <a:t>. </a:t>
-            </a:r>
-          </a:p>
-          <a:p>
-            <a:r>
-              <a:rPr lang="en-GB" b="1" dirty="0" smtClean="0">
-                <a:solidFill>
-                  <a:srgbClr val="FF0000"/>
-                </a:solidFill>
-              </a:rPr>
-              <a:t>No </a:t>
-            </a:r>
-            <a:r>
-              <a:rPr lang="en-GB" b="1" dirty="0" err="1" smtClean="0">
-                <a:solidFill>
-                  <a:srgbClr val="FF0000"/>
-                </a:solidFill>
-              </a:rPr>
-              <a:t>significa</a:t>
-            </a:r>
-            <a:r>
-              <a:rPr lang="en-GB" b="1" dirty="0" smtClean="0">
-                <a:solidFill>
-                  <a:srgbClr val="FF0000"/>
-                </a:solidFill>
-              </a:rPr>
-              <a:t> </a:t>
-            </a:r>
-            <a:r>
-              <a:rPr lang="en-GB" b="1" dirty="0" err="1" smtClean="0">
-                <a:solidFill>
-                  <a:srgbClr val="FF0000"/>
-                </a:solidFill>
-              </a:rPr>
-              <a:t>sólo</a:t>
-            </a:r>
-            <a:r>
-              <a:rPr lang="en-GB" b="1" dirty="0" smtClean="0">
-                <a:solidFill>
-                  <a:srgbClr val="FF0000"/>
-                </a:solidFill>
-              </a:rPr>
-              <a:t> </a:t>
-            </a:r>
-            <a:r>
-              <a:rPr lang="en-GB" b="1" dirty="0" err="1" smtClean="0">
-                <a:solidFill>
-                  <a:srgbClr val="FF0000"/>
-                </a:solidFill>
-              </a:rPr>
-              <a:t>recopilar</a:t>
-            </a:r>
-            <a:r>
-              <a:rPr lang="en-GB" b="1" dirty="0" smtClean="0">
-                <a:solidFill>
-                  <a:srgbClr val="FF0000"/>
-                </a:solidFill>
-              </a:rPr>
-              <a:t> </a:t>
-            </a:r>
-            <a:r>
-              <a:rPr lang="en-GB" b="1" dirty="0" err="1" smtClean="0">
-                <a:solidFill>
-                  <a:srgbClr val="FF0000"/>
-                </a:solidFill>
-              </a:rPr>
-              <a:t>información</a:t>
-            </a:r>
-            <a:r>
-              <a:rPr lang="en-GB" b="1" dirty="0" smtClean="0">
-                <a:solidFill>
-                  <a:srgbClr val="FF0000"/>
-                </a:solidFill>
-              </a:rPr>
-              <a:t>, </a:t>
-            </a:r>
-            <a:r>
-              <a:rPr lang="en-GB" b="1" dirty="0" err="1" smtClean="0">
-                <a:solidFill>
-                  <a:srgbClr val="FF0000"/>
-                </a:solidFill>
-              </a:rPr>
-              <a:t>sino</a:t>
-            </a:r>
-            <a:r>
-              <a:rPr lang="en-GB" b="1" dirty="0" smtClean="0">
-                <a:solidFill>
-                  <a:srgbClr val="FF0000"/>
-                </a:solidFill>
-              </a:rPr>
-              <a:t> </a:t>
-            </a:r>
-            <a:r>
-              <a:rPr lang="en-GB" b="1" dirty="0" err="1" smtClean="0">
-                <a:solidFill>
-                  <a:srgbClr val="FF0000"/>
-                </a:solidFill>
-              </a:rPr>
-              <a:t>también</a:t>
-            </a:r>
-            <a:r>
-              <a:rPr lang="en-GB" b="1" dirty="0" smtClean="0">
-                <a:solidFill>
-                  <a:srgbClr val="FF0000"/>
-                </a:solidFill>
-              </a:rPr>
-              <a:t> </a:t>
-            </a:r>
-            <a:r>
-              <a:rPr lang="en-GB" b="1" dirty="0" err="1" smtClean="0">
-                <a:solidFill>
-                  <a:srgbClr val="FF0000"/>
-                </a:solidFill>
-              </a:rPr>
-              <a:t>ligarla</a:t>
-            </a:r>
-            <a:r>
-              <a:rPr lang="en-GB" b="1" dirty="0" smtClean="0">
-                <a:solidFill>
-                  <a:srgbClr val="FF0000"/>
-                </a:solidFill>
-              </a:rPr>
-              <a:t> e </a:t>
-            </a:r>
-            <a:r>
-              <a:rPr lang="en-GB" b="1" dirty="0" err="1" smtClean="0">
-                <a:solidFill>
-                  <a:srgbClr val="FF0000"/>
-                </a:solidFill>
-              </a:rPr>
-              <a:t>interpretarla</a:t>
-            </a:r>
-            <a:r>
-              <a:rPr lang="en-GB" dirty="0" smtClean="0"/>
-              <a:t>. </a:t>
-            </a:r>
-            <a:endParaRPr lang="en-GB" dirty="0"/>
-          </a:p>
-        </p:txBody>
-      </p:sp>
-      <p:sp>
-        <p:nvSpPr>
-          <p:cNvPr id="4" name="Rectángulo 3"/>
-          <p:cNvSpPr/>
-          <p:nvPr/>
-        </p:nvSpPr>
-        <p:spPr>
-          <a:xfrm>
-            <a:off x="0" y="0"/>
-            <a:ext cx="9144000" cy="699314"/>
-          </a:xfrm>
-          <a:prstGeom prst="rect">
-            <a:avLst/>
-          </a:prstGeom>
-        </p:spPr>
-        <p:style>
-          <a:lnRef idx="3">
-            <a:schemeClr val="lt1"/>
-          </a:lnRef>
-          <a:fillRef idx="1">
-            <a:schemeClr val="accent2"/>
-          </a:fillRef>
-          <a:effectRef idx="1">
-            <a:schemeClr val="accent2"/>
-          </a:effectRef>
-          <a:fontRef idx="minor">
-            <a:schemeClr val="lt1"/>
-          </a:fontRef>
-        </p:style>
-        <p:txBody>
-          <a:bodyPr rtlCol="0" anchor="ctr"/>
-          <a:lstStyle/>
-          <a:p>
-            <a:pPr algn="ctr"/>
-            <a:endParaRPr lang="es-MX"/>
-          </a:p>
-        </p:txBody>
-      </p:sp>
-      <p:sp>
-        <p:nvSpPr>
-          <p:cNvPr id="5" name="Rectángulo 4"/>
-          <p:cNvSpPr/>
-          <p:nvPr/>
-        </p:nvSpPr>
-        <p:spPr>
-          <a:xfrm>
-            <a:off x="0" y="6158686"/>
-            <a:ext cx="9144000" cy="699314"/>
-          </a:xfrm>
-          <a:prstGeom prst="rect">
-            <a:avLst/>
-          </a:prstGeom>
-        </p:spPr>
-        <p:style>
-          <a:lnRef idx="3">
-            <a:schemeClr val="lt1"/>
-          </a:lnRef>
-          <a:fillRef idx="1">
-            <a:schemeClr val="accent2"/>
-          </a:fillRef>
-          <a:effectRef idx="1">
-            <a:schemeClr val="accent2"/>
-          </a:effectRef>
-          <a:fontRef idx="minor">
-            <a:schemeClr val="lt1"/>
-          </a:fontRef>
-        </p:style>
-        <p:txBody>
-          <a:bodyPr rtlCol="0" anchor="ctr"/>
-          <a:lstStyle/>
-          <a:p>
-            <a:pPr algn="ctr"/>
-            <a:endParaRPr lang="es-MX"/>
-          </a:p>
-        </p:txBody>
-      </p:sp>
-      <p:sp>
-        <p:nvSpPr>
           <p:cNvPr id="6" name="Título 5"/>
           <p:cNvSpPr>
             <a:spLocks noGrp="1"/>
@@ -7330,7 +6849,7 @@
 </p:sld>
 </file>
 
-<file path=ppt/slides/slide12.xml><?xml version="1.0" encoding="utf-8"?>
+<file path=ppt/slides/slide11.xml><?xml version="1.0" encoding="utf-8"?>
 <p:sld xmlns:a="http://schemas.openxmlformats.org/drawingml/2006/main" xmlns:r="http://schemas.openxmlformats.org/officeDocument/2006/relationships" xmlns:p="http://schemas.openxmlformats.org/presentationml/2006/main">
   <p:cSld>
     <p:spTree>
@@ -7528,7 +7047,7 @@
 </p:sld>
 </file>
 
-<file path=ppt/slides/slide13.xml><?xml version="1.0" encoding="utf-8"?>
+<file path=ppt/slides/slide12.xml><?xml version="1.0" encoding="utf-8"?>
 <p:sld xmlns:a="http://schemas.openxmlformats.org/drawingml/2006/main" xmlns:r="http://schemas.openxmlformats.org/officeDocument/2006/relationships" xmlns:p="http://schemas.openxmlformats.org/presentationml/2006/main">
   <p:cSld>
     <p:spTree>
@@ -7746,7 +7265,7 @@
 </p:sld>
 </file>
 
-<file path=ppt/slides/slide14.xml><?xml version="1.0" encoding="utf-8"?>
+<file path=ppt/slides/slide13.xml><?xml version="1.0" encoding="utf-8"?>
 <p:sld xmlns:a="http://schemas.openxmlformats.org/drawingml/2006/main" xmlns:r="http://schemas.openxmlformats.org/officeDocument/2006/relationships" xmlns:p="http://schemas.openxmlformats.org/presentationml/2006/main">
   <p:cSld>
     <p:spTree>
@@ -7991,7 +7510,7 @@
 </p:sld>
 </file>
 
-<file path=ppt/slides/slide15.xml><?xml version="1.0" encoding="utf-8"?>
+<file path=ppt/slides/slide14.xml><?xml version="1.0" encoding="utf-8"?>
 <p:sld xmlns:a="http://schemas.openxmlformats.org/drawingml/2006/main" xmlns:r="http://schemas.openxmlformats.org/officeDocument/2006/relationships" xmlns:p="http://schemas.openxmlformats.org/presentationml/2006/main">
   <p:cSld>
     <p:spTree>
@@ -8196,7 +7715,7 @@
 </p:sld>
 </file>
 
-<file path=ppt/slides/slide16.xml><?xml version="1.0" encoding="utf-8"?>
+<file path=ppt/slides/slide15.xml><?xml version="1.0" encoding="utf-8"?>
 <p:sld xmlns:a="http://schemas.openxmlformats.org/drawingml/2006/main" xmlns:r="http://schemas.openxmlformats.org/officeDocument/2006/relationships" xmlns:p="http://schemas.openxmlformats.org/presentationml/2006/main">
   <p:cSld>
     <p:spTree>
@@ -8475,7 +7994,7 @@
 </p:sld>
 </file>
 
-<file path=ppt/slides/slide17.xml><?xml version="1.0" encoding="utf-8"?>
+<file path=ppt/slides/slide16.xml><?xml version="1.0" encoding="utf-8"?>
 <p:sld xmlns:a="http://schemas.openxmlformats.org/drawingml/2006/main" xmlns:r="http://schemas.openxmlformats.org/officeDocument/2006/relationships" xmlns:p="http://schemas.openxmlformats.org/presentationml/2006/main">
   <p:cSld>
     <p:spTree>
@@ -8546,19 +8065,7 @@
           <a:p>
             <a:r>
               <a:rPr lang="es-ES_tradnl" dirty="0" smtClean="0"/>
-              <a:t>Dependiendo de qué tan desarrollado esté el </a:t>
-            </a:r>
-            <a:r>
-              <a:rPr lang="es-ES_tradnl" dirty="0" smtClean="0"/>
-              <a:t>tema a abordar, </a:t>
-            </a:r>
-            <a:r>
-              <a:rPr lang="es-ES_tradnl" dirty="0" smtClean="0"/>
-              <a:t>hay diferentes maneras de organizar el marco teórico</a:t>
-            </a:r>
-            <a:r>
-              <a:rPr lang="es-ES_tradnl" dirty="0" smtClean="0"/>
-              <a:t>:</a:t>
+              <a:t>Dependiendo de qué tan desarrollado esté el tema a abordar, hay diferentes maneras de organizar el marco teórico:</a:t>
             </a:r>
           </a:p>
           <a:p>
@@ -8673,6 +8180,416 @@
     <p:extLst>
       <p:ext uri="{BB962C8B-B14F-4D97-AF65-F5344CB8AC3E}">
         <p14:creationId xmlns:p14="http://schemas.microsoft.com/office/powerpoint/2010/main" val="1735544939"/>
+      </p:ext>
+    </p:extLst>
+  </p:cSld>
+  <p:clrMapOvr>
+    <a:masterClrMapping/>
+  </p:clrMapOvr>
+  <p:timing>
+    <p:tnLst>
+      <p:par>
+        <p:cTn id="1" dur="indefinite" restart="never" nodeType="tmRoot"/>
+      </p:par>
+    </p:tnLst>
+  </p:timing>
+</p:sld>
+</file>
+
+<file path=ppt/slides/slide17.xml><?xml version="1.0" encoding="utf-8"?>
+<p:sld xmlns:a="http://schemas.openxmlformats.org/drawingml/2006/main" xmlns:r="http://schemas.openxmlformats.org/officeDocument/2006/relationships" xmlns:p="http://schemas.openxmlformats.org/presentationml/2006/main">
+  <p:cSld>
+    <p:spTree>
+      <p:nvGrpSpPr>
+        <p:cNvPr id="1" name=""/>
+        <p:cNvGrpSpPr/>
+        <p:nvPr/>
+      </p:nvGrpSpPr>
+      <p:grpSpPr>
+        <a:xfrm>
+          <a:off x="0" y="0"/>
+          <a:ext cx="0" cy="0"/>
+          <a:chOff x="0" y="0"/>
+          <a:chExt cx="0" cy="0"/>
+        </a:xfrm>
+      </p:grpSpPr>
+      <p:sp>
+        <p:nvSpPr>
+          <p:cNvPr id="2" name="Title 1"/>
+          <p:cNvSpPr>
+            <a:spLocks noGrp="1"/>
+          </p:cNvSpPr>
+          <p:nvPr>
+            <p:ph type="title"/>
+          </p:nvPr>
+        </p:nvSpPr>
+        <p:spPr>
+          <a:xfrm>
+            <a:off x="0" y="457200"/>
+            <a:ext cx="9144000" cy="1143000"/>
+          </a:xfrm>
+        </p:spPr>
+        <p:txBody>
+          <a:bodyPr>
+            <a:normAutofit fontScale="90000"/>
+          </a:bodyPr>
+          <a:lstStyle/>
+          <a:p>
+            <a:r>
+              <a:rPr lang="en-GB" dirty="0" err="1" smtClean="0"/>
+              <a:t>Estrategias</a:t>
+            </a:r>
+            <a:r>
+              <a:rPr lang="en-GB" dirty="0" smtClean="0"/>
+              <a:t> para </a:t>
+            </a:r>
+            <a:r>
+              <a:rPr lang="en-GB" b="1" dirty="0" err="1" smtClean="0"/>
+              <a:t>organizar</a:t>
+            </a:r>
+            <a:r>
+              <a:rPr lang="en-GB" b="1" dirty="0" smtClean="0"/>
+              <a:t> </a:t>
+            </a:r>
+            <a:r>
+              <a:rPr lang="en-GB" dirty="0" smtClean="0"/>
+              <a:t>el Marco </a:t>
+            </a:r>
+            <a:r>
+              <a:rPr lang="en-GB" dirty="0" err="1" smtClean="0"/>
+              <a:t>Teórico</a:t>
+            </a:r>
+            <a:endParaRPr lang="en-GB" dirty="0"/>
+          </a:p>
+        </p:txBody>
+      </p:sp>
+      <p:sp>
+        <p:nvSpPr>
+          <p:cNvPr id="3" name="Content Placeholder 2"/>
+          <p:cNvSpPr>
+            <a:spLocks noGrp="1"/>
+          </p:cNvSpPr>
+          <p:nvPr>
+            <p:ph idx="1"/>
+          </p:nvPr>
+        </p:nvSpPr>
+        <p:spPr/>
+        <p:txBody>
+          <a:bodyPr>
+            <a:normAutofit lnSpcReduction="10000"/>
+          </a:bodyPr>
+          <a:lstStyle/>
+          <a:p>
+            <a:r>
+              <a:rPr lang="en-GB" b="1" dirty="0" err="1" smtClean="0"/>
+              <a:t>Esquematización</a:t>
+            </a:r>
+            <a:r>
+              <a:rPr lang="en-GB" dirty="0" smtClean="0"/>
+              <a:t>: </a:t>
+            </a:r>
+            <a:r>
+              <a:rPr lang="en-GB" dirty="0" err="1" smtClean="0"/>
+              <a:t>elaborar</a:t>
+            </a:r>
+            <a:r>
+              <a:rPr lang="en-GB" dirty="0" smtClean="0"/>
+              <a:t> un </a:t>
+            </a:r>
+            <a:r>
+              <a:rPr lang="en-GB" dirty="0" err="1" smtClean="0"/>
+              <a:t>mapa</a:t>
+            </a:r>
+            <a:r>
+              <a:rPr lang="en-GB" dirty="0" smtClean="0"/>
+              <a:t> conceptual para </a:t>
+            </a:r>
+            <a:r>
+              <a:rPr lang="en-GB" dirty="0" err="1" smtClean="0"/>
+              <a:t>identificar</a:t>
+            </a:r>
+            <a:r>
+              <a:rPr lang="en-GB" dirty="0" smtClean="0"/>
+              <a:t> los </a:t>
+            </a:r>
+            <a:r>
+              <a:rPr lang="en-GB" dirty="0" err="1" smtClean="0"/>
+              <a:t>temas</a:t>
+            </a:r>
+            <a:r>
+              <a:rPr lang="en-GB" dirty="0" smtClean="0"/>
+              <a:t> </a:t>
+            </a:r>
+            <a:r>
+              <a:rPr lang="en-GB" dirty="0" err="1" smtClean="0"/>
+              <a:t>relevantes</a:t>
+            </a:r>
+            <a:r>
+              <a:rPr lang="en-GB" dirty="0" smtClean="0"/>
+              <a:t> y las </a:t>
+            </a:r>
+            <a:r>
+              <a:rPr lang="en-GB" dirty="0" err="1" smtClean="0"/>
+              <a:t>relaciones</a:t>
+            </a:r>
+            <a:r>
+              <a:rPr lang="en-GB" dirty="0" smtClean="0"/>
+              <a:t> entre </a:t>
+            </a:r>
+            <a:r>
+              <a:rPr lang="en-GB" dirty="0" err="1" smtClean="0"/>
+              <a:t>ellos</a:t>
+            </a:r>
+            <a:r>
+              <a:rPr lang="en-GB" dirty="0" smtClean="0"/>
+              <a:t>; a </a:t>
+            </a:r>
+            <a:r>
+              <a:rPr lang="en-GB" dirty="0" err="1" smtClean="0"/>
+              <a:t>partir</a:t>
+            </a:r>
+            <a:r>
+              <a:rPr lang="en-GB" dirty="0" smtClean="0"/>
+              <a:t> de los </a:t>
+            </a:r>
+            <a:r>
+              <a:rPr lang="en-GB" dirty="0" err="1" smtClean="0"/>
+              <a:t>niveles</a:t>
+            </a:r>
+            <a:r>
+              <a:rPr lang="en-GB" dirty="0" smtClean="0"/>
+              <a:t> del </a:t>
+            </a:r>
+            <a:r>
+              <a:rPr lang="en-GB" dirty="0" err="1" smtClean="0"/>
+              <a:t>mapa</a:t>
+            </a:r>
+            <a:r>
+              <a:rPr lang="en-GB" dirty="0" smtClean="0"/>
+              <a:t> se </a:t>
+            </a:r>
+            <a:r>
+              <a:rPr lang="en-GB" dirty="0" err="1" smtClean="0"/>
+              <a:t>establecen</a:t>
+            </a:r>
+            <a:r>
+              <a:rPr lang="en-GB" dirty="0" smtClean="0"/>
+              <a:t> </a:t>
+            </a:r>
+            <a:r>
+              <a:rPr lang="en-GB" dirty="0" err="1" smtClean="0"/>
+              <a:t>capítulos</a:t>
+            </a:r>
+            <a:r>
+              <a:rPr lang="en-GB" dirty="0" smtClean="0"/>
+              <a:t> y sub </a:t>
+            </a:r>
+            <a:r>
+              <a:rPr lang="en-GB" dirty="0" err="1" smtClean="0"/>
+              <a:t>capítulos</a:t>
+            </a:r>
+            <a:r>
+              <a:rPr lang="en-GB" dirty="0" smtClean="0"/>
+              <a:t>.</a:t>
+            </a:r>
+          </a:p>
+          <a:p>
+            <a:r>
+              <a:rPr lang="en-GB" b="1" dirty="0" smtClean="0"/>
+              <a:t>Outline</a:t>
+            </a:r>
+            <a:r>
+              <a:rPr lang="en-GB" dirty="0" smtClean="0"/>
+              <a:t>: </a:t>
+            </a:r>
+            <a:r>
+              <a:rPr lang="en-GB" dirty="0" err="1" smtClean="0"/>
+              <a:t>desarrollar</a:t>
+            </a:r>
+            <a:r>
+              <a:rPr lang="en-GB" dirty="0" smtClean="0"/>
+              <a:t> un </a:t>
+            </a:r>
+            <a:r>
+              <a:rPr lang="en-GB" dirty="0" err="1" smtClean="0"/>
+              <a:t>índice</a:t>
+            </a:r>
+            <a:r>
+              <a:rPr lang="en-GB" dirty="0" smtClean="0"/>
+              <a:t> </a:t>
+            </a:r>
+            <a:r>
+              <a:rPr lang="en-GB" dirty="0" err="1" smtClean="0"/>
+              <a:t>tentativo</a:t>
+            </a:r>
+            <a:r>
+              <a:rPr lang="en-GB" dirty="0" smtClean="0"/>
+              <a:t> e </a:t>
+            </a:r>
+            <a:r>
+              <a:rPr lang="en-GB" dirty="0" err="1" smtClean="0"/>
+              <a:t>irlo</a:t>
+            </a:r>
+            <a:r>
+              <a:rPr lang="en-GB" dirty="0" smtClean="0"/>
+              <a:t> </a:t>
+            </a:r>
+            <a:r>
+              <a:rPr lang="en-GB" dirty="0" err="1" smtClean="0"/>
+              <a:t>afinando</a:t>
+            </a:r>
+            <a:r>
+              <a:rPr lang="en-GB" dirty="0" smtClean="0"/>
+              <a:t>; se </a:t>
+            </a:r>
+            <a:r>
+              <a:rPr lang="en-GB" dirty="0" err="1" smtClean="0"/>
+              <a:t>recomienda</a:t>
+            </a:r>
+            <a:r>
+              <a:rPr lang="en-GB" dirty="0" smtClean="0"/>
+              <a:t> </a:t>
+            </a:r>
+            <a:r>
+              <a:rPr lang="en-GB" dirty="0" err="1" smtClean="0"/>
+              <a:t>colocar</a:t>
+            </a:r>
+            <a:r>
+              <a:rPr lang="en-GB" dirty="0" smtClean="0"/>
+              <a:t> las </a:t>
+            </a:r>
+            <a:r>
+              <a:rPr lang="en-GB" dirty="0" err="1" smtClean="0"/>
+              <a:t>referencias</a:t>
+            </a:r>
+            <a:r>
+              <a:rPr lang="en-GB" dirty="0" smtClean="0"/>
+              <a:t> que </a:t>
+            </a:r>
+            <a:r>
+              <a:rPr lang="en-GB" dirty="0" err="1" smtClean="0"/>
+              <a:t>serán</a:t>
+            </a:r>
+            <a:r>
+              <a:rPr lang="en-GB" dirty="0" smtClean="0"/>
+              <a:t> </a:t>
+            </a:r>
+            <a:r>
+              <a:rPr lang="en-GB" dirty="0" err="1" smtClean="0"/>
+              <a:t>abordadas</a:t>
+            </a:r>
+            <a:r>
+              <a:rPr lang="en-GB" dirty="0" smtClean="0"/>
+              <a:t> en </a:t>
+            </a:r>
+            <a:r>
+              <a:rPr lang="en-GB" dirty="0" err="1" smtClean="0"/>
+              <a:t>cada</a:t>
+            </a:r>
+            <a:r>
+              <a:rPr lang="en-GB" dirty="0" smtClean="0"/>
+              <a:t> </a:t>
+            </a:r>
+            <a:r>
+              <a:rPr lang="en-GB" dirty="0" err="1" smtClean="0"/>
+              <a:t>sección</a:t>
+            </a:r>
+            <a:r>
+              <a:rPr lang="en-GB" dirty="0" smtClean="0"/>
+              <a:t> (</a:t>
+            </a:r>
+            <a:r>
+              <a:rPr lang="en-GB" dirty="0" err="1" smtClean="0"/>
+              <a:t>vertebrar</a:t>
+            </a:r>
+            <a:r>
+              <a:rPr lang="en-GB" dirty="0" smtClean="0"/>
+              <a:t>)</a:t>
+            </a:r>
+            <a:endParaRPr lang="en-GB" dirty="0"/>
+          </a:p>
+        </p:txBody>
+      </p:sp>
+      <p:sp>
+        <p:nvSpPr>
+          <p:cNvPr id="4" name="Rectángulo 3"/>
+          <p:cNvSpPr/>
+          <p:nvPr/>
+        </p:nvSpPr>
+        <p:spPr>
+          <a:xfrm>
+            <a:off x="0" y="0"/>
+            <a:ext cx="9144000" cy="699314"/>
+          </a:xfrm>
+          <a:prstGeom prst="rect">
+            <a:avLst/>
+          </a:prstGeom>
+        </p:spPr>
+        <p:style>
+          <a:lnRef idx="3">
+            <a:schemeClr val="lt1"/>
+          </a:lnRef>
+          <a:fillRef idx="1">
+            <a:schemeClr val="accent2"/>
+          </a:fillRef>
+          <a:effectRef idx="1">
+            <a:schemeClr val="accent2"/>
+          </a:effectRef>
+          <a:fontRef idx="minor">
+            <a:schemeClr val="lt1"/>
+          </a:fontRef>
+        </p:style>
+        <p:txBody>
+          <a:bodyPr rtlCol="0" anchor="ctr"/>
+          <a:lstStyle/>
+          <a:p>
+            <a:pPr algn="ctr"/>
+            <a:endParaRPr lang="es-MX"/>
+          </a:p>
+        </p:txBody>
+      </p:sp>
+      <p:sp>
+        <p:nvSpPr>
+          <p:cNvPr id="5" name="Rectángulo 4"/>
+          <p:cNvSpPr/>
+          <p:nvPr/>
+        </p:nvSpPr>
+        <p:spPr>
+          <a:xfrm>
+            <a:off x="0" y="6158686"/>
+            <a:ext cx="9144000" cy="699314"/>
+          </a:xfrm>
+          <a:prstGeom prst="rect">
+            <a:avLst/>
+          </a:prstGeom>
+        </p:spPr>
+        <p:style>
+          <a:lnRef idx="3">
+            <a:schemeClr val="lt1"/>
+          </a:lnRef>
+          <a:fillRef idx="1">
+            <a:schemeClr val="accent2"/>
+          </a:fillRef>
+          <a:effectRef idx="1">
+            <a:schemeClr val="accent2"/>
+          </a:effectRef>
+          <a:fontRef idx="minor">
+            <a:schemeClr val="lt1"/>
+          </a:fontRef>
+        </p:style>
+        <p:txBody>
+          <a:bodyPr rtlCol="0" anchor="ctr"/>
+          <a:lstStyle/>
+          <a:p>
+            <a:pPr algn="ctr"/>
+            <a:endParaRPr lang="es-MX"/>
+          </a:p>
+        </p:txBody>
+      </p:sp>
+    </p:spTree>
+    <p:extLst>
+      <p:ext uri="{BB962C8B-B14F-4D97-AF65-F5344CB8AC3E}">
+        <p14:creationId xmlns:p14="http://schemas.microsoft.com/office/powerpoint/2010/main" val="442772799"/>
       </p:ext>
     </p:extLst>
   </p:cSld>
@@ -8769,7 +8686,7 @@
         <p:spPr/>
         <p:txBody>
           <a:bodyPr>
-            <a:normAutofit lnSpcReduction="10000"/>
+            <a:normAutofit/>
           </a:bodyPr>
           <a:lstStyle/>
           <a:p>
@@ -8885,121 +8802,6 @@
               <a:rPr lang="en-GB" dirty="0" smtClean="0"/>
               <a:t>.</a:t>
             </a:r>
-          </a:p>
-          <a:p>
-            <a:r>
-              <a:rPr lang="en-GB" b="1" dirty="0" smtClean="0"/>
-              <a:t>Outline</a:t>
-            </a:r>
-            <a:r>
-              <a:rPr lang="en-GB" dirty="0" smtClean="0"/>
-              <a:t>: </a:t>
-            </a:r>
-            <a:r>
-              <a:rPr lang="en-GB" dirty="0" err="1" smtClean="0"/>
-              <a:t>desarrollar</a:t>
-            </a:r>
-            <a:r>
-              <a:rPr lang="en-GB" dirty="0" smtClean="0"/>
-              <a:t> un </a:t>
-            </a:r>
-            <a:r>
-              <a:rPr lang="en-GB" dirty="0" err="1" smtClean="0"/>
-              <a:t>índice</a:t>
-            </a:r>
-            <a:r>
-              <a:rPr lang="en-GB" dirty="0" smtClean="0"/>
-              <a:t> </a:t>
-            </a:r>
-            <a:r>
-              <a:rPr lang="en-GB" dirty="0" err="1" smtClean="0"/>
-              <a:t>tentativo</a:t>
-            </a:r>
-            <a:r>
-              <a:rPr lang="en-GB" dirty="0" smtClean="0"/>
-              <a:t> e </a:t>
-            </a:r>
-            <a:r>
-              <a:rPr lang="en-GB" dirty="0" err="1" smtClean="0"/>
-              <a:t>irlo</a:t>
-            </a:r>
-            <a:r>
-              <a:rPr lang="en-GB" dirty="0" smtClean="0"/>
-              <a:t> </a:t>
-            </a:r>
-            <a:r>
-              <a:rPr lang="en-GB" dirty="0" err="1" smtClean="0"/>
-              <a:t>afinando</a:t>
-            </a:r>
-            <a:r>
-              <a:rPr lang="en-GB" dirty="0" smtClean="0"/>
-              <a:t>; se </a:t>
-            </a:r>
-            <a:r>
-              <a:rPr lang="en-GB" dirty="0" err="1" smtClean="0"/>
-              <a:t>recomienda</a:t>
-            </a:r>
-            <a:r>
-              <a:rPr lang="en-GB" dirty="0" smtClean="0"/>
-              <a:t> </a:t>
-            </a:r>
-            <a:r>
-              <a:rPr lang="en-GB" dirty="0" err="1" smtClean="0"/>
-              <a:t>colocar</a:t>
-            </a:r>
-            <a:r>
-              <a:rPr lang="en-GB" dirty="0" smtClean="0"/>
-              <a:t> las </a:t>
-            </a:r>
-            <a:r>
-              <a:rPr lang="en-GB" dirty="0" err="1" smtClean="0"/>
-              <a:t>referencias</a:t>
-            </a:r>
-            <a:r>
-              <a:rPr lang="en-GB" dirty="0" smtClean="0"/>
-              <a:t> que </a:t>
-            </a:r>
-            <a:r>
-              <a:rPr lang="en-GB" dirty="0" err="1" smtClean="0"/>
-              <a:t>serán</a:t>
-            </a:r>
-            <a:r>
-              <a:rPr lang="en-GB" dirty="0" smtClean="0"/>
-              <a:t> </a:t>
-            </a:r>
-            <a:r>
-              <a:rPr lang="en-GB" dirty="0" err="1" smtClean="0"/>
-              <a:t>abordadas</a:t>
-            </a:r>
-            <a:r>
-              <a:rPr lang="en-GB" dirty="0" smtClean="0"/>
-              <a:t> en </a:t>
-            </a:r>
-            <a:r>
-              <a:rPr lang="en-GB" dirty="0" err="1" smtClean="0"/>
-              <a:t>cada</a:t>
-            </a:r>
-            <a:r>
-              <a:rPr lang="en-GB" dirty="0" smtClean="0"/>
-              <a:t> </a:t>
-            </a:r>
-            <a:r>
-              <a:rPr lang="en-GB" dirty="0" err="1" smtClean="0"/>
-              <a:t>sección</a:t>
-            </a:r>
-            <a:r>
-              <a:rPr lang="en-GB" dirty="0" smtClean="0"/>
-              <a:t> (</a:t>
-            </a:r>
-            <a:r>
-              <a:rPr lang="en-GB" dirty="0" err="1" smtClean="0"/>
-              <a:t>vertebrar</a:t>
-            </a:r>
-            <a:r>
-              <a:rPr lang="en-GB" dirty="0" smtClean="0"/>
-              <a:t>)</a:t>
-            </a:r>
-            <a:endParaRPr lang="en-GB" dirty="0"/>
           </a:p>
         </p:txBody>
       </p:sp>
@@ -9082,7 +8884,7 @@
     </p:spTree>
     <p:extLst>
       <p:ext uri="{BB962C8B-B14F-4D97-AF65-F5344CB8AC3E}">
-        <p14:creationId xmlns:p14="http://schemas.microsoft.com/office/powerpoint/2010/main" val="442772799"/>
+        <p14:creationId xmlns:p14="http://schemas.microsoft.com/office/powerpoint/2010/main" val="768727292"/>
       </p:ext>
     </p:extLst>
   </p:cSld>
@@ -9184,8 +8986,8 @@
           <a:lstStyle/>
           <a:p>
             <a:r>
-              <a:rPr lang="en-GB" b="1" dirty="0" err="1" smtClean="0"/>
-              <a:t>Esquematización</a:t>
+              <a:rPr lang="en-GB" b="1" dirty="0" smtClean="0"/>
+              <a:t>Outline</a:t>
             </a:r>
             <a:r>
               <a:rPr lang="en-GB" dirty="0" smtClean="0"/>
@@ -9193,7 +8995,7 @@
             </a:r>
             <a:r>
               <a:rPr lang="en-GB" dirty="0" err="1" smtClean="0"/>
-              <a:t>elaborar</a:t>
+              <a:t>desarrollar</a:t>
             </a:r>
             <a:r>
               <a:rPr lang="en-GB" dirty="0" smtClean="0"/>
@@ -9201,23 +9003,7 @@
             </a:r>
             <a:r>
               <a:rPr lang="en-GB" dirty="0" err="1" smtClean="0"/>
-              <a:t>mapa</a:t>
-            </a:r>
-            <a:r>
-              <a:rPr lang="en-GB" dirty="0" smtClean="0"/>
-              <a:t> conceptual para </a:t>
-            </a:r>
-            <a:r>
-              <a:rPr lang="en-GB" dirty="0" err="1" smtClean="0"/>
-              <a:t>identificar</a:t>
-            </a:r>
-            <a:r>
-              <a:rPr lang="en-GB" dirty="0" smtClean="0"/>
-              <a:t> los </a:t>
-            </a:r>
-            <a:r>
-              <a:rPr lang="en-GB" dirty="0" err="1" smtClean="0"/>
-              <a:t>temas</a:t>
+              <a:t>índice</a:t>
             </a:r>
             <a:r>
               <a:rPr lang="en-GB" dirty="0" smtClean="0"/>
@@ -9225,39 +9011,31 @@
             </a:r>
             <a:r>
               <a:rPr lang="en-GB" dirty="0" err="1" smtClean="0"/>
-              <a:t>relevantes</a:t>
+              <a:t>tentativo</a:t>
             </a:r>
             <a:r>
               <a:rPr lang="en-GB" dirty="0" smtClean="0"/>
-              <a:t> y las </a:t>
+              <a:t> e </a:t>
             </a:r>
             <a:r>
               <a:rPr lang="en-GB" dirty="0" err="1" smtClean="0"/>
-              <a:t>relaciones</a:t>
+              <a:t>irlo</a:t>
             </a:r>
             <a:r>
               <a:rPr lang="en-GB" dirty="0" smtClean="0"/>
-              <a:t> entre </a:t>
+              <a:t> </a:t>
             </a:r>
             <a:r>
               <a:rPr lang="en-GB" dirty="0" err="1" smtClean="0"/>
-              <a:t>ellos</a:t>
+              <a:t>afinando</a:t>
             </a:r>
             <a:r>
               <a:rPr lang="en-GB" dirty="0" smtClean="0"/>
-              <a:t>; a </a:t>
+              <a:t>; construer el </a:t>
             </a:r>
             <a:r>
               <a:rPr lang="en-GB" dirty="0" err="1" smtClean="0"/>
-              <a:t>partir</a:t>
-            </a:r>
-            <a:r>
-              <a:rPr lang="en-GB" dirty="0" smtClean="0"/>
-              <a:t> de los </a:t>
-            </a:r>
-            <a:r>
-              <a:rPr lang="en-GB" dirty="0" err="1" smtClean="0"/>
-              <a:t>niveles</a:t>
+              <a:t>esqueleto</a:t>
             </a:r>
             <a:r>
               <a:rPr lang="en-GB" dirty="0" smtClean="0"/>
@@ -9265,7 +9043,47 @@
             </a:r>
             <a:r>
               <a:rPr lang="en-GB" dirty="0" err="1" smtClean="0"/>
-              <a:t>mapa</a:t>
+              <a:t>trabajo</a:t>
+            </a:r>
+            <a:r>
+              <a:rPr lang="en-GB" dirty="0" smtClean="0"/>
+              <a:t> (</a:t>
+            </a:r>
+            <a:r>
+              <a:rPr lang="en-GB" dirty="0" err="1" smtClean="0"/>
+              <a:t>resumir</a:t>
+            </a:r>
+            <a:r>
+              <a:rPr lang="en-GB" dirty="0" smtClean="0"/>
+              <a:t> en </a:t>
+            </a:r>
+            <a:r>
+              <a:rPr lang="en-GB" dirty="0" err="1" smtClean="0"/>
+              <a:t>enunciados</a:t>
+            </a:r>
+            <a:r>
+              <a:rPr lang="en-GB" dirty="0" smtClean="0"/>
+              <a:t> </a:t>
+            </a:r>
+            <a:r>
+              <a:rPr lang="en-GB" dirty="0" err="1" smtClean="0"/>
+              <a:t>concretos</a:t>
+            </a:r>
+            <a:r>
+              <a:rPr lang="en-GB" dirty="0" smtClean="0"/>
+              <a:t> la </a:t>
+            </a:r>
+            <a:r>
+              <a:rPr lang="en-GB" dirty="0" err="1" smtClean="0"/>
+              <a:t>información</a:t>
+            </a:r>
+            <a:r>
+              <a:rPr lang="en-GB" dirty="0" smtClean="0"/>
+              <a:t> </a:t>
+            </a:r>
+            <a:r>
+              <a:rPr lang="en-GB" dirty="0" err="1" smtClean="0"/>
+              <a:t>que</a:t>
             </a:r>
             <a:r>
               <a:rPr lang="en-GB" dirty="0" smtClean="0"/>
@@ -9273,7 +9091,7 @@
             </a:r>
             <a:r>
               <a:rPr lang="en-GB" dirty="0" err="1" smtClean="0"/>
-              <a:t>establecen</a:t>
+              <a:t>busca</a:t>
             </a:r>
             <a:r>
               <a:rPr lang="en-GB" dirty="0" smtClean="0"/>
@@ -9281,21 +9099,77 @@
             </a:r>
             <a:r>
               <a:rPr lang="en-GB" dirty="0" err="1" smtClean="0"/>
-              <a:t>capítulos</a:t>
+              <a:t>hilar</a:t>
             </a:r>
             <a:r>
               <a:rPr lang="en-GB" dirty="0" smtClean="0"/>
-              <a:t> y sub </a:t>
+              <a:t>) se </a:t>
             </a:r>
             <a:r>
               <a:rPr lang="en-GB" dirty="0" err="1" smtClean="0"/>
-              <a:t>capítulos</a:t>
+              <a:t>recomienda</a:t>
             </a:r>
             <a:r>
               <a:rPr lang="en-GB" dirty="0" smtClean="0"/>
-              <a:t>.</a:t>
-            </a:r>
-            <a:endParaRPr lang="en-GB" dirty="0" smtClean="0"/>
+              <a:t> </a:t>
+            </a:r>
+            <a:r>
+              <a:rPr lang="en-GB" dirty="0" err="1" smtClean="0"/>
+              <a:t>colocar</a:t>
+            </a:r>
+            <a:r>
+              <a:rPr lang="en-GB" dirty="0" smtClean="0"/>
+              <a:t> las </a:t>
+            </a:r>
+            <a:r>
+              <a:rPr lang="en-GB" dirty="0" err="1" smtClean="0"/>
+              <a:t>referencias</a:t>
+            </a:r>
+            <a:r>
+              <a:rPr lang="en-GB" dirty="0" smtClean="0"/>
+              <a:t> que </a:t>
+            </a:r>
+            <a:r>
+              <a:rPr lang="en-GB" dirty="0" err="1" smtClean="0"/>
+              <a:t>serán</a:t>
+            </a:r>
+            <a:r>
+              <a:rPr lang="en-GB" dirty="0" smtClean="0"/>
+              <a:t> </a:t>
+            </a:r>
+            <a:r>
+              <a:rPr lang="en-GB" dirty="0" err="1" smtClean="0"/>
+              <a:t>abordadas</a:t>
+            </a:r>
+            <a:r>
+              <a:rPr lang="en-GB" dirty="0" smtClean="0"/>
+              <a:t> en </a:t>
+            </a:r>
+            <a:r>
+              <a:rPr lang="en-GB" dirty="0" err="1" smtClean="0"/>
+              <a:t>cada</a:t>
+            </a:r>
+            <a:r>
+              <a:rPr lang="en-GB" dirty="0" smtClean="0"/>
+              <a:t> </a:t>
+            </a:r>
+            <a:r>
+              <a:rPr lang="en-GB" dirty="0" err="1" smtClean="0"/>
+              <a:t>sección</a:t>
+            </a:r>
+            <a:r>
+              <a:rPr lang="en-GB" dirty="0" smtClean="0"/>
+              <a:t> (</a:t>
+            </a:r>
+            <a:r>
+              <a:rPr lang="en-GB" dirty="0" err="1" smtClean="0"/>
+              <a:t>vertebrar</a:t>
+            </a:r>
+            <a:r>
+              <a:rPr lang="en-GB" dirty="0" smtClean="0"/>
+              <a:t>)</a:t>
+            </a:r>
+            <a:endParaRPr lang="en-GB" dirty="0"/>
           </a:p>
         </p:txBody>
       </p:sp>
@@ -9378,7 +9252,7 @@
     </p:spTree>
     <p:extLst>
       <p:ext uri="{BB962C8B-B14F-4D97-AF65-F5344CB8AC3E}">
-        <p14:creationId xmlns:p14="http://schemas.microsoft.com/office/powerpoint/2010/main" val="768727292"/>
+        <p14:creationId xmlns:p14="http://schemas.microsoft.com/office/powerpoint/2010/main" val="3345610575"/>
       </p:ext>
     </p:extLst>
   </p:cSld>
@@ -9608,378 +9482,6 @@
 </file>
 
 <file path=ppt/slides/slide20.xml><?xml version="1.0" encoding="utf-8"?>
-<p:sld xmlns:a="http://schemas.openxmlformats.org/drawingml/2006/main" xmlns:r="http://schemas.openxmlformats.org/officeDocument/2006/relationships" xmlns:p="http://schemas.openxmlformats.org/presentationml/2006/main">
-  <p:cSld>
-    <p:spTree>
-      <p:nvGrpSpPr>
-        <p:cNvPr id="1" name=""/>
-        <p:cNvGrpSpPr/>
-        <p:nvPr/>
-      </p:nvGrpSpPr>
-      <p:grpSpPr>
-        <a:xfrm>
-          <a:off x="0" y="0"/>
-          <a:ext cx="0" cy="0"/>
-          <a:chOff x="0" y="0"/>
-          <a:chExt cx="0" cy="0"/>
-        </a:xfrm>
-      </p:grpSpPr>
-      <p:sp>
-        <p:nvSpPr>
-          <p:cNvPr id="2" name="Title 1"/>
-          <p:cNvSpPr>
-            <a:spLocks noGrp="1"/>
-          </p:cNvSpPr>
-          <p:nvPr>
-            <p:ph type="title"/>
-          </p:nvPr>
-        </p:nvSpPr>
-        <p:spPr>
-          <a:xfrm>
-            <a:off x="0" y="457200"/>
-            <a:ext cx="9144000" cy="1143000"/>
-          </a:xfrm>
-        </p:spPr>
-        <p:txBody>
-          <a:bodyPr>
-            <a:normAutofit fontScale="90000"/>
-          </a:bodyPr>
-          <a:lstStyle/>
-          <a:p>
-            <a:r>
-              <a:rPr lang="en-GB" dirty="0" err="1" smtClean="0"/>
-              <a:t>Estrategias</a:t>
-            </a:r>
-            <a:r>
-              <a:rPr lang="en-GB" dirty="0" smtClean="0"/>
-              <a:t> para </a:t>
-            </a:r>
-            <a:r>
-              <a:rPr lang="en-GB" b="1" dirty="0" err="1" smtClean="0"/>
-              <a:t>organizar</a:t>
-            </a:r>
-            <a:r>
-              <a:rPr lang="en-GB" b="1" dirty="0" smtClean="0"/>
-              <a:t> </a:t>
-            </a:r>
-            <a:r>
-              <a:rPr lang="en-GB" dirty="0" smtClean="0"/>
-              <a:t>el Marco </a:t>
-            </a:r>
-            <a:r>
-              <a:rPr lang="en-GB" dirty="0" err="1" smtClean="0"/>
-              <a:t>Teórico</a:t>
-            </a:r>
-            <a:endParaRPr lang="en-GB" dirty="0"/>
-          </a:p>
-        </p:txBody>
-      </p:sp>
-      <p:sp>
-        <p:nvSpPr>
-          <p:cNvPr id="3" name="Content Placeholder 2"/>
-          <p:cNvSpPr>
-            <a:spLocks noGrp="1"/>
-          </p:cNvSpPr>
-          <p:nvPr>
-            <p:ph idx="1"/>
-          </p:nvPr>
-        </p:nvSpPr>
-        <p:spPr/>
-        <p:txBody>
-          <a:bodyPr>
-            <a:normAutofit/>
-          </a:bodyPr>
-          <a:lstStyle/>
-          <a:p>
-            <a:r>
-              <a:rPr lang="en-GB" b="1" dirty="0" smtClean="0"/>
-              <a:t>Outline</a:t>
-            </a:r>
-            <a:r>
-              <a:rPr lang="en-GB" dirty="0" smtClean="0"/>
-              <a:t>: </a:t>
-            </a:r>
-            <a:r>
-              <a:rPr lang="en-GB" dirty="0" err="1" smtClean="0"/>
-              <a:t>desarrollar</a:t>
-            </a:r>
-            <a:r>
-              <a:rPr lang="en-GB" dirty="0" smtClean="0"/>
-              <a:t> un </a:t>
-            </a:r>
-            <a:r>
-              <a:rPr lang="en-GB" dirty="0" err="1" smtClean="0"/>
-              <a:t>índice</a:t>
-            </a:r>
-            <a:r>
-              <a:rPr lang="en-GB" dirty="0" smtClean="0"/>
-              <a:t> </a:t>
-            </a:r>
-            <a:r>
-              <a:rPr lang="en-GB" dirty="0" err="1" smtClean="0"/>
-              <a:t>tentativo</a:t>
-            </a:r>
-            <a:r>
-              <a:rPr lang="en-GB" dirty="0" smtClean="0"/>
-              <a:t> e </a:t>
-            </a:r>
-            <a:r>
-              <a:rPr lang="en-GB" dirty="0" err="1" smtClean="0"/>
-              <a:t>irlo</a:t>
-            </a:r>
-            <a:r>
-              <a:rPr lang="en-GB" dirty="0" smtClean="0"/>
-              <a:t> </a:t>
-            </a:r>
-            <a:r>
-              <a:rPr lang="en-GB" dirty="0" err="1" smtClean="0"/>
-              <a:t>afinando</a:t>
-            </a:r>
-            <a:r>
-              <a:rPr lang="en-GB" dirty="0" smtClean="0"/>
-              <a:t>; construer el </a:t>
-            </a:r>
-            <a:r>
-              <a:rPr lang="en-GB" dirty="0" err="1" smtClean="0"/>
-              <a:t>esqueleto</a:t>
-            </a:r>
-            <a:r>
-              <a:rPr lang="en-GB" dirty="0" smtClean="0"/>
-              <a:t> del </a:t>
-            </a:r>
-            <a:r>
-              <a:rPr lang="en-GB" dirty="0" err="1" smtClean="0"/>
-              <a:t>trabajo</a:t>
-            </a:r>
-            <a:r>
-              <a:rPr lang="en-GB" dirty="0" smtClean="0"/>
-              <a:t> (</a:t>
-            </a:r>
-            <a:r>
-              <a:rPr lang="en-GB" dirty="0" err="1" smtClean="0"/>
-              <a:t>resumir</a:t>
-            </a:r>
-            <a:r>
-              <a:rPr lang="en-GB" dirty="0" smtClean="0"/>
-              <a:t> en </a:t>
-            </a:r>
-            <a:r>
-              <a:rPr lang="en-GB" dirty="0" err="1" smtClean="0"/>
-              <a:t>enunciados</a:t>
-            </a:r>
-            <a:r>
-              <a:rPr lang="en-GB" dirty="0" smtClean="0"/>
-              <a:t> </a:t>
-            </a:r>
-            <a:r>
-              <a:rPr lang="en-GB" dirty="0" err="1" smtClean="0"/>
-              <a:t>concretos</a:t>
-            </a:r>
-            <a:r>
-              <a:rPr lang="en-GB" dirty="0" smtClean="0"/>
-              <a:t> la </a:t>
-            </a:r>
-            <a:r>
-              <a:rPr lang="en-GB" dirty="0" err="1" smtClean="0"/>
-              <a:t>información</a:t>
-            </a:r>
-            <a:r>
-              <a:rPr lang="en-GB" dirty="0" smtClean="0"/>
-              <a:t> </a:t>
-            </a:r>
-            <a:r>
-              <a:rPr lang="en-GB" dirty="0" err="1" smtClean="0"/>
-              <a:t>que</a:t>
-            </a:r>
-            <a:r>
-              <a:rPr lang="en-GB" dirty="0" smtClean="0"/>
-              <a:t> se </a:t>
-            </a:r>
-            <a:r>
-              <a:rPr lang="en-GB" dirty="0" err="1" smtClean="0"/>
-              <a:t>busca</a:t>
-            </a:r>
-            <a:r>
-              <a:rPr lang="en-GB" dirty="0" smtClean="0"/>
-              <a:t> </a:t>
-            </a:r>
-            <a:r>
-              <a:rPr lang="en-GB" dirty="0" err="1" smtClean="0"/>
-              <a:t>hilar</a:t>
-            </a:r>
-            <a:r>
-              <a:rPr lang="en-GB" dirty="0" smtClean="0"/>
-              <a:t>) </a:t>
-            </a:r>
-            <a:r>
-              <a:rPr lang="en-GB" dirty="0" smtClean="0"/>
-              <a:t>se </a:t>
-            </a:r>
-            <a:r>
-              <a:rPr lang="en-GB" dirty="0" err="1" smtClean="0"/>
-              <a:t>recomienda</a:t>
-            </a:r>
-            <a:r>
-              <a:rPr lang="en-GB" dirty="0" smtClean="0"/>
-              <a:t> </a:t>
-            </a:r>
-            <a:r>
-              <a:rPr lang="en-GB" dirty="0" err="1" smtClean="0"/>
-              <a:t>colocar</a:t>
-            </a:r>
-            <a:r>
-              <a:rPr lang="en-GB" dirty="0" smtClean="0"/>
-              <a:t> las </a:t>
-            </a:r>
-            <a:r>
-              <a:rPr lang="en-GB" dirty="0" err="1" smtClean="0"/>
-              <a:t>referencias</a:t>
-            </a:r>
-            <a:r>
-              <a:rPr lang="en-GB" dirty="0" smtClean="0"/>
-              <a:t> que </a:t>
-            </a:r>
-            <a:r>
-              <a:rPr lang="en-GB" dirty="0" err="1" smtClean="0"/>
-              <a:t>serán</a:t>
-            </a:r>
-            <a:r>
-              <a:rPr lang="en-GB" dirty="0" smtClean="0"/>
-              <a:t> </a:t>
-            </a:r>
-            <a:r>
-              <a:rPr lang="en-GB" dirty="0" err="1" smtClean="0"/>
-              <a:t>abordadas</a:t>
-            </a:r>
-            <a:r>
-              <a:rPr lang="en-GB" dirty="0" smtClean="0"/>
-              <a:t> en </a:t>
-            </a:r>
-            <a:r>
-              <a:rPr lang="en-GB" dirty="0" err="1" smtClean="0"/>
-              <a:t>cada</a:t>
-            </a:r>
-            <a:r>
-              <a:rPr lang="en-GB" dirty="0" smtClean="0"/>
-              <a:t> </a:t>
-            </a:r>
-            <a:r>
-              <a:rPr lang="en-GB" dirty="0" err="1" smtClean="0"/>
-              <a:t>sección</a:t>
-            </a:r>
-            <a:r>
-              <a:rPr lang="en-GB" dirty="0" smtClean="0"/>
-              <a:t> (</a:t>
-            </a:r>
-            <a:r>
-              <a:rPr lang="en-GB" dirty="0" err="1" smtClean="0"/>
-              <a:t>vertebrar</a:t>
-            </a:r>
-            <a:r>
-              <a:rPr lang="en-GB" dirty="0" smtClean="0"/>
-              <a:t>)</a:t>
-            </a:r>
-            <a:endParaRPr lang="en-GB" dirty="0"/>
-          </a:p>
-        </p:txBody>
-      </p:sp>
-      <p:sp>
-        <p:nvSpPr>
-          <p:cNvPr id="4" name="Rectángulo 3"/>
-          <p:cNvSpPr/>
-          <p:nvPr/>
-        </p:nvSpPr>
-        <p:spPr>
-          <a:xfrm>
-            <a:off x="0" y="0"/>
-            <a:ext cx="9144000" cy="699314"/>
-          </a:xfrm>
-          <a:prstGeom prst="rect">
-            <a:avLst/>
-          </a:prstGeom>
-        </p:spPr>
-        <p:style>
-          <a:lnRef idx="3">
-            <a:schemeClr val="lt1"/>
-          </a:lnRef>
-          <a:fillRef idx="1">
-            <a:schemeClr val="accent2"/>
-          </a:fillRef>
-          <a:effectRef idx="1">
-            <a:schemeClr val="accent2"/>
-          </a:effectRef>
-          <a:fontRef idx="minor">
-            <a:schemeClr val="lt1"/>
-          </a:fontRef>
-        </p:style>
-        <p:txBody>
-          <a:bodyPr rtlCol="0" anchor="ctr"/>
-          <a:lstStyle/>
-          <a:p>
-            <a:pPr algn="ctr"/>
-            <a:endParaRPr lang="es-MX"/>
-          </a:p>
-        </p:txBody>
-      </p:sp>
-      <p:sp>
-        <p:nvSpPr>
-          <p:cNvPr id="5" name="Rectángulo 4"/>
-          <p:cNvSpPr/>
-          <p:nvPr/>
-        </p:nvSpPr>
-        <p:spPr>
-          <a:xfrm>
-            <a:off x="0" y="6158686"/>
-            <a:ext cx="9144000" cy="699314"/>
-          </a:xfrm>
-          <a:prstGeom prst="rect">
-            <a:avLst/>
-          </a:prstGeom>
-        </p:spPr>
-        <p:style>
-          <a:lnRef idx="3">
-            <a:schemeClr val="lt1"/>
-          </a:lnRef>
-          <a:fillRef idx="1">
-            <a:schemeClr val="accent2"/>
-          </a:fillRef>
-          <a:effectRef idx="1">
-            <a:schemeClr val="accent2"/>
-          </a:effectRef>
-          <a:fontRef idx="minor">
-            <a:schemeClr val="lt1"/>
-          </a:fontRef>
-        </p:style>
-        <p:txBody>
-          <a:bodyPr rtlCol="0" anchor="ctr"/>
-          <a:lstStyle/>
-          <a:p>
-            <a:pPr algn="ctr"/>
-            <a:endParaRPr lang="es-MX"/>
-          </a:p>
-        </p:txBody>
-      </p:sp>
-    </p:spTree>
-    <p:extLst>
-      <p:ext uri="{BB962C8B-B14F-4D97-AF65-F5344CB8AC3E}">
-        <p14:creationId xmlns:p14="http://schemas.microsoft.com/office/powerpoint/2010/main" val="3345610575"/>
-      </p:ext>
-    </p:extLst>
-  </p:cSld>
-  <p:clrMapOvr>
-    <a:masterClrMapping/>
-  </p:clrMapOvr>
-  <p:timing>
-    <p:tnLst>
-      <p:par>
-        <p:cTn id="1" dur="indefinite" restart="never" nodeType="tmRoot"/>
-      </p:par>
-    </p:tnLst>
-  </p:timing>
-</p:sld>
-</file>
-
-<file path=ppt/slides/slide21.xml><?xml version="1.0" encoding="utf-8"?>
 <p:sld xmlns:a="http://schemas.openxmlformats.org/drawingml/2006/main" xmlns:r="http://schemas.openxmlformats.org/officeDocument/2006/relationships" xmlns:p="http://schemas.openxmlformats.org/presentationml/2006/main">
   <p:cSld>
     <p:spTree>
@@ -11184,11 +10686,7 @@
             </a:r>
             <a:r>
               <a:rPr lang="en-GB" dirty="0" smtClean="0"/>
-              <a:t>, </a:t>
-            </a:r>
-            <a:r>
-              <a:rPr lang="en-GB" dirty="0" smtClean="0"/>
-              <a:t>el </a:t>
+              <a:t>, el </a:t>
             </a:r>
             <a:r>
               <a:rPr lang="en-GB" dirty="0" err="1" smtClean="0"/>
@@ -12353,36 +11851,25 @@
           <a:p>
             <a:r>
               <a:rPr lang="es-ES_tradnl" dirty="0" smtClean="0"/>
-              <a:t>Ayuda a </a:t>
-            </a:r>
-            <a:r>
-              <a:rPr lang="es-ES_tradnl" dirty="0" smtClean="0"/>
-              <a:t>saber qué es lo que ya se ha hecho y qué falta por explorar.</a:t>
-            </a:r>
-            <a:endParaRPr lang="es-ES_tradnl" dirty="0" smtClean="0"/>
+              <a:t>Ayuda a saber qué es lo que ya se ha hecho y qué falta por explorar.</a:t>
+            </a:r>
           </a:p>
           <a:p>
             <a:r>
               <a:rPr lang="es-ES_tradnl" dirty="0" smtClean="0"/>
               <a:t>En el caso de los estudios de campo, permite conocer los métodos empleados y reportados anteriormente, guiando así nuestro método.</a:t>
             </a:r>
-            <a:endParaRPr lang="es-ES_tradnl" dirty="0" smtClean="0"/>
           </a:p>
           <a:p>
             <a:r>
               <a:rPr lang="es-ES_tradnl" dirty="0" smtClean="0"/>
               <a:t>Fundamenta la producción de hipótesis</a:t>
             </a:r>
-            <a:endParaRPr lang="es-ES_tradnl" dirty="0" smtClean="0"/>
           </a:p>
           <a:p>
             <a:r>
               <a:rPr lang="es-ES_tradnl" dirty="0" smtClean="0"/>
-              <a:t>Proporciona un marco de referencia para interpretar los </a:t>
-            </a:r>
-            <a:r>
-              <a:rPr lang="es-ES_tradnl" dirty="0" smtClean="0"/>
-              <a:t>resultados</a:t>
+              <a:t>Proporciona un marco de referencia para interpretar los resultados</a:t>
             </a:r>
             <a:endParaRPr lang="es-ES_tradnl" dirty="0"/>
           </a:p>
@@ -12588,15 +12075,7 @@
             </a:pPr>
             <a:r>
               <a:rPr lang="es-ES_tradnl" dirty="0" smtClean="0"/>
-              <a:t>2. Revisión </a:t>
-            </a:r>
-            <a:r>
-              <a:rPr lang="es-ES_tradnl" dirty="0" smtClean="0"/>
-              <a:t>analítica de </a:t>
-            </a:r>
-            <a:r>
-              <a:rPr lang="es-ES_tradnl" dirty="0" smtClean="0"/>
-              <a:t>literatura</a:t>
+              <a:t>2. Revisión analítica de literatura</a:t>
             </a:r>
           </a:p>
           <a:p>
@@ -12616,7 +12095,6 @@
               <a:rPr lang="es-ES_tradnl" dirty="0" smtClean="0"/>
               <a:t>4. Redacción</a:t>
             </a:r>
-            <a:endParaRPr lang="es-ES_tradnl" dirty="0" smtClean="0"/>
           </a:p>
         </p:txBody>
       </p:sp>
@@ -12757,39 +12235,6 @@
           <a:chExt cx="0" cy="0"/>
         </a:xfrm>
       </p:grpSpPr>
-      <p:pic>
-        <p:nvPicPr>
-          <p:cNvPr id="7" name="Snakes Have Legs - Original Animation.mp4">
-            <a:hlinkClick r:id="" action="ppaction://media"/>
-          </p:cNvPr>
-          <p:cNvPicPr>
-            <a:picLocks noChangeAspect="1"/>
-          </p:cNvPicPr>
-          <p:nvPr>
-            <a:videoFile r:link="rId2"/>
-            <p:extLst>
-              <p:ext uri="{DAA4B4D4-6D71-4841-9C94-3DE7FCFB9230}">
-                <p14:media xmlns:p14="http://schemas.microsoft.com/office/powerpoint/2010/main" r:embed="rId1"/>
-              </p:ext>
-            </p:extLst>
-          </p:nvPr>
-        </p:nvPicPr>
-        <p:blipFill>
-          <a:blip r:embed="rId4"/>
-          <a:stretch>
-            <a:fillRect/>
-          </a:stretch>
-        </p:blipFill>
-        <p:spPr>
-          <a:xfrm>
-            <a:off x="1274798" y="1966690"/>
-            <a:ext cx="6510665" cy="3662570"/>
-          </a:xfrm>
-          <a:prstGeom prst="rect">
-            <a:avLst/>
-          </a:prstGeom>
-        </p:spPr>
-      </p:pic>
       <p:sp>
         <p:nvSpPr>
           <p:cNvPr id="2" name="Title 1"/>
@@ -12802,19 +12247,19 @@
         </p:nvSpPr>
         <p:spPr>
           <a:xfrm>
-            <a:off x="378823" y="472758"/>
+            <a:off x="352697" y="457200"/>
             <a:ext cx="8229600" cy="1143000"/>
           </a:xfrm>
         </p:spPr>
         <p:txBody>
           <a:bodyPr>
-            <a:normAutofit fontScale="90000"/>
+            <a:normAutofit/>
           </a:bodyPr>
           <a:lstStyle/>
           <a:p>
             <a:r>
               <a:rPr lang="es-ES_tradnl" b="1" dirty="0" smtClean="0"/>
-              <a:t>Pasos para elaborar el marco teórico</a:t>
+              <a:t>Revisión analítica de la literatura</a:t>
             </a:r>
             <a:endParaRPr lang="es-ES_tradnl" b="1" dirty="0"/>
           </a:p>
@@ -12830,29 +12275,206 @@
             <p:ph idx="1"/>
           </p:nvPr>
         </p:nvSpPr>
-        <p:spPr>
-          <a:xfrm>
-            <a:off x="222067" y="1423107"/>
-            <a:ext cx="8229600" cy="4525963"/>
-          </a:xfrm>
-        </p:spPr>
+        <p:spPr/>
         <p:txBody>
           <a:bodyPr/>
           <a:lstStyle/>
           <a:p>
-            <a:pPr marL="514350" indent="-514350">
-              <a:buAutoNum type="arabicPeriod"/>
-            </a:pPr>
-            <a:r>
-              <a:rPr lang="es-ES_tradnl" b="1" dirty="0" smtClean="0"/>
-              <a:t>Búsqueda de información</a:t>
-            </a:r>
-          </a:p>
-        </p:txBody>
-      </p:sp>
-      <p:sp>
-        <p:nvSpPr>
-          <p:cNvPr id="5" name="Rectángulo 4"/>
+            <a:r>
+              <a:rPr lang="en-GB" dirty="0" err="1"/>
+              <a:t>Considerar</a:t>
+            </a:r>
+            <a:r>
+              <a:rPr lang="en-GB" dirty="0"/>
+              <a:t> </a:t>
+            </a:r>
+            <a:r>
+              <a:rPr lang="en-GB" dirty="0" err="1"/>
+              <a:t>si</a:t>
+            </a:r>
+            <a:r>
+              <a:rPr lang="en-GB" dirty="0"/>
+              <a:t>:</a:t>
+            </a:r>
+          </a:p>
+          <a:p>
+            <a:pPr lvl="1"/>
+            <a:r>
+              <a:rPr lang="en-GB" dirty="0"/>
+              <a:t>¿Se </a:t>
+            </a:r>
+            <a:r>
+              <a:rPr lang="en-GB" dirty="0" err="1"/>
+              <a:t>relaciona</a:t>
+            </a:r>
+            <a:r>
+              <a:rPr lang="en-GB" dirty="0"/>
+              <a:t> con el </a:t>
+            </a:r>
+            <a:r>
+              <a:rPr lang="en-GB" dirty="0" err="1"/>
+              <a:t>problema</a:t>
+            </a:r>
+            <a:r>
+              <a:rPr lang="en-GB" dirty="0"/>
+              <a:t> de </a:t>
+            </a:r>
+            <a:r>
+              <a:rPr lang="en-GB" dirty="0" err="1"/>
+              <a:t>investigación</a:t>
+            </a:r>
+            <a:r>
+              <a:rPr lang="en-GB" dirty="0"/>
+              <a:t>?</a:t>
+            </a:r>
+          </a:p>
+          <a:p>
+            <a:pPr lvl="1"/>
+            <a:r>
+              <a:rPr lang="en-GB" dirty="0"/>
+              <a:t>¿</a:t>
+            </a:r>
+            <a:r>
+              <a:rPr lang="en-GB" dirty="0" err="1"/>
+              <a:t>Ayuda</a:t>
+            </a:r>
+            <a:r>
+              <a:rPr lang="en-GB" dirty="0"/>
+              <a:t> a </a:t>
+            </a:r>
+            <a:r>
+              <a:rPr lang="en-GB" dirty="0" err="1"/>
+              <a:t>que</a:t>
+            </a:r>
+            <a:r>
+              <a:rPr lang="en-GB" dirty="0"/>
+              <a:t> se </a:t>
+            </a:r>
+            <a:r>
+              <a:rPr lang="en-GB" dirty="0" err="1"/>
+              <a:t>realice</a:t>
+            </a:r>
+            <a:r>
+              <a:rPr lang="en-GB" dirty="0"/>
+              <a:t> </a:t>
+            </a:r>
+            <a:r>
+              <a:rPr lang="en-GB" dirty="0" err="1"/>
+              <a:t>más</a:t>
+            </a:r>
+            <a:r>
+              <a:rPr lang="en-GB" dirty="0"/>
+              <a:t> </a:t>
+            </a:r>
+            <a:r>
+              <a:rPr lang="en-GB" dirty="0" err="1"/>
+              <a:t>rápido</a:t>
+            </a:r>
+            <a:r>
+              <a:rPr lang="en-GB" dirty="0"/>
+              <a:t> y </a:t>
+            </a:r>
+            <a:r>
+              <a:rPr lang="en-GB" dirty="0" err="1"/>
+              <a:t>profundamente</a:t>
+            </a:r>
+            <a:r>
+              <a:rPr lang="en-GB" dirty="0"/>
+              <a:t> el </a:t>
+            </a:r>
+            <a:r>
+              <a:rPr lang="en-GB" dirty="0" err="1"/>
+              <a:t>estudio</a:t>
+            </a:r>
+            <a:r>
+              <a:rPr lang="en-GB" dirty="0"/>
+              <a:t>?</a:t>
+            </a:r>
+          </a:p>
+          <a:p>
+            <a:pPr lvl="1"/>
+            <a:r>
+              <a:rPr lang="en-GB" dirty="0"/>
+              <a:t>¿</a:t>
+            </a:r>
+            <a:r>
+              <a:rPr lang="en-GB" dirty="0" err="1"/>
+              <a:t>Desde</a:t>
+            </a:r>
+            <a:r>
+              <a:rPr lang="en-GB" dirty="0"/>
+              <a:t> </a:t>
+            </a:r>
+            <a:r>
+              <a:rPr lang="en-GB" dirty="0" err="1"/>
+              <a:t>qué</a:t>
+            </a:r>
+            <a:r>
+              <a:rPr lang="en-GB" dirty="0"/>
+              <a:t> </a:t>
+            </a:r>
+            <a:r>
+              <a:rPr lang="en-GB" dirty="0" err="1"/>
+              <a:t>perspectiva</a:t>
+            </a:r>
+            <a:r>
+              <a:rPr lang="en-GB" dirty="0"/>
+              <a:t> </a:t>
+            </a:r>
+            <a:r>
+              <a:rPr lang="en-GB" dirty="0" err="1"/>
+              <a:t>aborda</a:t>
+            </a:r>
+            <a:r>
+              <a:rPr lang="en-GB" dirty="0"/>
+              <a:t> el </a:t>
+            </a:r>
+            <a:r>
+              <a:rPr lang="en-GB" dirty="0" err="1"/>
+              <a:t>tema</a:t>
+            </a:r>
+            <a:r>
+              <a:rPr lang="en-GB" dirty="0"/>
+              <a:t> (</a:t>
+            </a:r>
+            <a:r>
+              <a:rPr lang="en-GB" dirty="0" err="1"/>
+              <a:t>psicológica</a:t>
+            </a:r>
+            <a:r>
+              <a:rPr lang="en-GB" dirty="0"/>
+              <a:t>, </a:t>
+            </a:r>
+            <a:r>
+              <a:rPr lang="en-GB" dirty="0" err="1"/>
+              <a:t>antropológica</a:t>
+            </a:r>
+            <a:r>
+              <a:rPr lang="en-GB" dirty="0"/>
+              <a:t>, </a:t>
+            </a:r>
+            <a:r>
+              <a:rPr lang="en-GB" dirty="0" err="1"/>
+              <a:t>médica</a:t>
+            </a:r>
+            <a:r>
+              <a:rPr lang="en-GB" dirty="0"/>
+              <a:t>, legal, </a:t>
+            </a:r>
+            <a:r>
+              <a:rPr lang="en-GB" dirty="0" err="1"/>
+              <a:t>económica</a:t>
+            </a:r>
+            <a:r>
+              <a:rPr lang="en-GB" dirty="0"/>
+              <a:t>, etc.)? </a:t>
+            </a:r>
+          </a:p>
+        </p:txBody>
+      </p:sp>
+      <p:sp>
+        <p:nvSpPr>
+          <p:cNvPr id="4" name="Rectángulo 3"/>
           <p:cNvSpPr/>
           <p:nvPr/>
         </p:nvSpPr>
@@ -12890,7 +12512,7 @@
       </p:sp>
       <p:sp>
         <p:nvSpPr>
-          <p:cNvPr id="6" name="Rectángulo 5"/>
+          <p:cNvPr id="5" name="Rectángulo 4"/>
           <p:cNvSpPr/>
           <p:nvPr/>
         </p:nvSpPr>
@@ -12926,122 +12548,10 @@
           </a:p>
         </p:txBody>
       </p:sp>
-      <p:sp>
-        <p:nvSpPr>
-          <p:cNvPr id="8" name="TextBox 2"/>
-          <p:cNvSpPr txBox="1"/>
-          <p:nvPr/>
-        </p:nvSpPr>
-        <p:spPr>
-          <a:xfrm>
-            <a:off x="1671531" y="5934670"/>
-            <a:ext cx="5495240" cy="923330"/>
-          </a:xfrm>
-          <a:prstGeom prst="rect">
-            <a:avLst/>
-          </a:prstGeom>
-          <a:solidFill>
-            <a:schemeClr val="accent6">
-              <a:lumMod val="40000"/>
-              <a:lumOff val="60000"/>
-            </a:schemeClr>
-          </a:solidFill>
-          <a:ln w="57150">
-            <a:solidFill>
-              <a:schemeClr val="tx1"/>
-            </a:solidFill>
-          </a:ln>
-        </p:spPr>
-        <p:txBody>
-          <a:bodyPr wrap="square" rtlCol="0">
-            <a:spAutoFit/>
-          </a:bodyPr>
-          <a:lstStyle/>
-          <a:p>
-            <a:r>
-              <a:rPr lang="es-ES_tradnl" dirty="0" err="1" smtClean="0"/>
-              <a:t>Cassale</a:t>
-            </a:r>
-            <a:r>
-              <a:rPr lang="es-ES_tradnl" dirty="0" smtClean="0"/>
-              <a:t>, D. (2017, Junio 21). </a:t>
-            </a:r>
-            <a:r>
-              <a:rPr lang="es-ES_tradnl" dirty="0" err="1" smtClean="0"/>
-              <a:t>Snakes</a:t>
-            </a:r>
-            <a:r>
-              <a:rPr lang="es-ES_tradnl" dirty="0" smtClean="0"/>
-              <a:t> </a:t>
-            </a:r>
-            <a:r>
-              <a:rPr lang="es-ES_tradnl" dirty="0" err="1" smtClean="0"/>
-              <a:t>have</a:t>
-            </a:r>
-            <a:r>
-              <a:rPr lang="es-ES_tradnl" dirty="0" smtClean="0"/>
-              <a:t> </a:t>
-            </a:r>
-            <a:r>
-              <a:rPr lang="es-ES_tradnl" dirty="0" err="1" smtClean="0"/>
-              <a:t>legs</a:t>
-            </a:r>
-            <a:r>
-              <a:rPr lang="es-ES_tradnl" dirty="0" smtClean="0"/>
-              <a:t> </a:t>
-            </a:r>
-            <a:r>
-              <a:rPr lang="en-US" dirty="0" smtClean="0"/>
-              <a:t>–</a:t>
-            </a:r>
-            <a:r>
-              <a:rPr lang="es-ES_tradnl" dirty="0" smtClean="0"/>
-              <a:t> Original </a:t>
-            </a:r>
-            <a:r>
-              <a:rPr lang="es-ES_tradnl" dirty="0" err="1" smtClean="0"/>
-              <a:t>animation</a:t>
-            </a:r>
-            <a:r>
-              <a:rPr lang="es-ES_tradnl" dirty="0" smtClean="0"/>
-              <a:t> [Video]. Recuperado de: </a:t>
-            </a:r>
-            <a:r>
-              <a:rPr lang="pl-PL" dirty="0" err="1"/>
-              <a:t>https</a:t>
-            </a:r>
-            <a:r>
-              <a:rPr lang="pl-PL" dirty="0"/>
-              <a:t>://</a:t>
-            </a:r>
-            <a:r>
-              <a:rPr lang="pl-PL" dirty="0" err="1"/>
-              <a:t>www.youtube.com</a:t>
-            </a:r>
-            <a:r>
-              <a:rPr lang="pl-PL" dirty="0"/>
-              <a:t>/</a:t>
-            </a:r>
-            <a:r>
-              <a:rPr lang="pl-PL" dirty="0" err="1"/>
-              <a:t>watch?v</a:t>
-            </a:r>
-            <a:r>
-              <a:rPr lang="pl-PL" dirty="0"/>
-              <a:t>=0HXMYm4k6w0</a:t>
-            </a:r>
-            <a:r>
-              <a:rPr lang="es-ES_tradnl" dirty="0" smtClean="0"/>
-              <a:t> </a:t>
-            </a:r>
-            <a:endParaRPr lang="es-ES_tradnl" dirty="0"/>
-          </a:p>
-        </p:txBody>
-      </p:sp>
     </p:spTree>
     <p:extLst>
       <p:ext uri="{BB962C8B-B14F-4D97-AF65-F5344CB8AC3E}">
-        <p14:creationId xmlns:p14="http://schemas.microsoft.com/office/powerpoint/2010/main" val="1921554180"/>
+        <p14:creationId xmlns:p14="http://schemas.microsoft.com/office/powerpoint/2010/main" val="668145784"/>
       </p:ext>
     </p:extLst>
   </p:cSld>
@@ -13051,80 +12561,7 @@
   <p:timing>
     <p:tnLst>
       <p:par>
-        <p:cTn id="1" dur="indefinite" restart="never" nodeType="tmRoot">
-          <p:childTnLst>
-            <p:seq concurrent="1" nextAc="seek">
-              <p:cTn id="2" restart="whenNotActive" fill="hold" evtFilter="cancelBubble" nodeType="interactiveSeq">
-                <p:stCondLst>
-                  <p:cond evt="onClick" delay="0">
-                    <p:tgtEl>
-                      <p:spTgt spid="7"/>
-                    </p:tgtEl>
-                  </p:cond>
-                </p:stCondLst>
-                <p:endSync evt="end" delay="0">
-                  <p:rtn val="all"/>
-                </p:endSync>
-                <p:childTnLst>
-                  <p:par>
-                    <p:cTn id="3" fill="hold">
-                      <p:stCondLst>
-                        <p:cond delay="0"/>
-                      </p:stCondLst>
-                      <p:childTnLst>
-                        <p:par>
-                          <p:cTn id="4" fill="hold">
-                            <p:stCondLst>
-                              <p:cond delay="0"/>
-                            </p:stCondLst>
-                            <p:childTnLst>
-                              <p:par>
-                                <p:cTn id="5" presetID="2" presetClass="mediacall" presetSubtype="0" fill="hold" nodeType="clickEffect">
-                                  <p:stCondLst>
-                                    <p:cond delay="0"/>
-                                  </p:stCondLst>
-                                  <p:childTnLst>
-                                    <p:cmd type="call" cmd="togglePause">
-                                      <p:cBhvr>
-                                        <p:cTn id="6" dur="1" fill="hold"/>
-                                        <p:tgtEl>
-                                          <p:spTgt spid="7"/>
-                                        </p:tgtEl>
-                                      </p:cBhvr>
-                                    </p:cmd>
-                                  </p:childTnLst>
-                                </p:cTn>
-                              </p:par>
-                            </p:childTnLst>
-                          </p:cTn>
-                        </p:par>
-                      </p:childTnLst>
-                    </p:cTn>
-                  </p:par>
-                </p:childTnLst>
-              </p:cTn>
-              <p:nextCondLst>
-                <p:cond evt="onClick" delay="0">
-                  <p:tgtEl>
-                    <p:spTgt spid="7"/>
-                  </p:tgtEl>
-                </p:cond>
-              </p:nextCondLst>
-            </p:seq>
-            <p:video>
-              <p:cMediaNode vol="80000">
-                <p:cTn id="7" fill="hold" display="0">
-                  <p:stCondLst>
-                    <p:cond delay="indefinite"/>
-                  </p:stCondLst>
-                </p:cTn>
-                <p:tgtEl>
-                  <p:spTgt spid="7"/>
-                </p:tgtEl>
-              </p:cMediaNode>
-            </p:video>
-          </p:childTnLst>
-        </p:cTn>
+        <p:cTn id="1" dur="indefinite" restart="never" nodeType="tmRoot"/>
       </p:par>
     </p:tnLst>
   </p:timing>
@@ -13150,36 +12587,6 @@
       </p:grpSpPr>
       <p:sp>
         <p:nvSpPr>
-          <p:cNvPr id="2" name="Title 1"/>
-          <p:cNvSpPr>
-            <a:spLocks noGrp="1"/>
-          </p:cNvSpPr>
-          <p:nvPr>
-            <p:ph type="title"/>
-          </p:nvPr>
-        </p:nvSpPr>
-        <p:spPr>
-          <a:xfrm>
-            <a:off x="352697" y="457200"/>
-            <a:ext cx="8229600" cy="1143000"/>
-          </a:xfrm>
-        </p:spPr>
-        <p:txBody>
-          <a:bodyPr>
-            <a:normAutofit/>
-          </a:bodyPr>
-          <a:lstStyle/>
-          <a:p>
-            <a:r>
-              <a:rPr lang="es-ES_tradnl" b="1" dirty="0" smtClean="0"/>
-              <a:t>Revisión analítica de la literatura</a:t>
-            </a:r>
-            <a:endParaRPr lang="es-ES_tradnl" b="1" dirty="0"/>
-          </a:p>
-        </p:txBody>
-      </p:sp>
-      <p:sp>
-        <p:nvSpPr>
           <p:cNvPr id="3" name="Content Placeholder 2"/>
           <p:cNvSpPr>
             <a:spLocks noGrp="1"/>
@@ -13188,207 +12595,44 @@
             <p:ph idx="1"/>
           </p:nvPr>
         </p:nvSpPr>
-        <p:spPr/>
-        <p:txBody>
-          <a:bodyPr/>
-          <a:lstStyle/>
-          <a:p>
-            <a:r>
-              <a:rPr lang="en-GB" dirty="0" err="1"/>
-              <a:t>Considerar</a:t>
-            </a:r>
-            <a:r>
-              <a:rPr lang="en-GB" dirty="0"/>
-              <a:t> </a:t>
-            </a:r>
-            <a:r>
-              <a:rPr lang="en-GB" dirty="0" err="1"/>
-              <a:t>si</a:t>
-            </a:r>
-            <a:r>
-              <a:rPr lang="en-GB" dirty="0"/>
-              <a:t>:</a:t>
-            </a:r>
-          </a:p>
-          <a:p>
-            <a:pPr lvl="1"/>
-            <a:r>
-              <a:rPr lang="en-GB" dirty="0"/>
-              <a:t>¿Se </a:t>
-            </a:r>
-            <a:r>
-              <a:rPr lang="en-GB" dirty="0" err="1"/>
-              <a:t>relaciona</a:t>
-            </a:r>
-            <a:r>
-              <a:rPr lang="en-GB" dirty="0"/>
-              <a:t> con el </a:t>
-            </a:r>
-            <a:r>
-              <a:rPr lang="en-GB" dirty="0" err="1"/>
-              <a:t>problema</a:t>
-            </a:r>
-            <a:r>
-              <a:rPr lang="en-GB" dirty="0"/>
-              <a:t> de </a:t>
-            </a:r>
-            <a:r>
-              <a:rPr lang="en-GB" dirty="0" err="1"/>
-              <a:t>investigación</a:t>
-            </a:r>
-            <a:r>
-              <a:rPr lang="en-GB" dirty="0"/>
-              <a:t>?</a:t>
-            </a:r>
-          </a:p>
-          <a:p>
-            <a:pPr lvl="1"/>
-            <a:r>
-              <a:rPr lang="en-GB" dirty="0"/>
-              <a:t>¿</a:t>
-            </a:r>
-            <a:r>
-              <a:rPr lang="en-GB" dirty="0" err="1"/>
-              <a:t>Ayuda</a:t>
-            </a:r>
-            <a:r>
-              <a:rPr lang="en-GB" dirty="0"/>
-              <a:t> a </a:t>
-            </a:r>
-            <a:r>
-              <a:rPr lang="en-GB" dirty="0" err="1"/>
-              <a:t>que</a:t>
-            </a:r>
-            <a:r>
-              <a:rPr lang="en-GB" dirty="0"/>
-              <a:t> se </a:t>
-            </a:r>
-            <a:r>
-              <a:rPr lang="en-GB" dirty="0" err="1"/>
-              <a:t>realice</a:t>
-            </a:r>
-            <a:r>
-              <a:rPr lang="en-GB" dirty="0"/>
-              <a:t> </a:t>
-            </a:r>
-            <a:r>
-              <a:rPr lang="en-GB" dirty="0" err="1"/>
-              <a:t>más</a:t>
-            </a:r>
-            <a:r>
-              <a:rPr lang="en-GB" dirty="0"/>
-              <a:t> </a:t>
-            </a:r>
-            <a:r>
-              <a:rPr lang="en-GB" dirty="0" err="1"/>
-              <a:t>rápido</a:t>
-            </a:r>
-            <a:r>
-              <a:rPr lang="en-GB" dirty="0"/>
-              <a:t> y </a:t>
-            </a:r>
-            <a:r>
-              <a:rPr lang="en-GB" dirty="0" err="1"/>
-              <a:t>profundamente</a:t>
-            </a:r>
-            <a:r>
-              <a:rPr lang="en-GB" dirty="0"/>
-              <a:t> el </a:t>
-            </a:r>
-            <a:r>
-              <a:rPr lang="en-GB" dirty="0" err="1"/>
-              <a:t>estudio</a:t>
-            </a:r>
-            <a:r>
-              <a:rPr lang="en-GB" dirty="0"/>
-              <a:t>?</a:t>
-            </a:r>
-          </a:p>
-          <a:p>
-            <a:pPr lvl="1"/>
-            <a:r>
-              <a:rPr lang="en-GB" dirty="0"/>
-              <a:t>¿</a:t>
-            </a:r>
-            <a:r>
-              <a:rPr lang="en-GB" dirty="0" err="1"/>
-              <a:t>Desde</a:t>
-            </a:r>
-            <a:r>
-              <a:rPr lang="en-GB" dirty="0"/>
-              <a:t> </a:t>
-            </a:r>
-            <a:r>
-              <a:rPr lang="en-GB" dirty="0" err="1"/>
-              <a:t>qué</a:t>
-            </a:r>
-            <a:r>
-              <a:rPr lang="en-GB" dirty="0"/>
-              <a:t> </a:t>
-            </a:r>
-            <a:r>
-              <a:rPr lang="en-GB" dirty="0" err="1"/>
-              <a:t>perspectiva</a:t>
-            </a:r>
-            <a:r>
-              <a:rPr lang="en-GB" dirty="0"/>
-              <a:t> </a:t>
-            </a:r>
-            <a:r>
-              <a:rPr lang="en-GB" dirty="0" err="1"/>
-              <a:t>aborda</a:t>
-            </a:r>
-            <a:r>
-              <a:rPr lang="en-GB" dirty="0"/>
-              <a:t> el </a:t>
-            </a:r>
-            <a:r>
-              <a:rPr lang="en-GB" dirty="0" err="1"/>
-              <a:t>tema</a:t>
-            </a:r>
-            <a:r>
-              <a:rPr lang="en-GB" dirty="0"/>
-              <a:t> (</a:t>
-            </a:r>
-            <a:r>
-              <a:rPr lang="en-GB" dirty="0" err="1"/>
-              <a:t>psicológica</a:t>
-            </a:r>
-            <a:r>
-              <a:rPr lang="en-GB" dirty="0"/>
-              <a:t>, </a:t>
-            </a:r>
-            <a:r>
-              <a:rPr lang="en-GB" dirty="0" err="1"/>
-              <a:t>antropológica</a:t>
-            </a:r>
-            <a:r>
-              <a:rPr lang="en-GB" dirty="0"/>
-              <a:t>, </a:t>
-            </a:r>
-            <a:r>
-              <a:rPr lang="en-GB" dirty="0" err="1"/>
-              <a:t>médica</a:t>
-            </a:r>
-            <a:r>
-              <a:rPr lang="en-GB" dirty="0"/>
-              <a:t>, legal, </a:t>
-            </a:r>
-            <a:r>
-              <a:rPr lang="en-GB" dirty="0" err="1"/>
-              <a:t>económica</a:t>
-            </a:r>
-            <a:r>
-              <a:rPr lang="en-GB" dirty="0"/>
-              <a:t>, etc.)? </a:t>
-            </a:r>
-            <a:endParaRPr lang="en-GB" dirty="0"/>
-          </a:p>
-        </p:txBody>
-      </p:sp>
-      <p:sp>
-        <p:nvSpPr>
-          <p:cNvPr id="4" name="Rectángulo 3"/>
+        <p:spPr>
+          <a:xfrm>
+            <a:off x="457199" y="1166018"/>
+            <a:ext cx="8229600" cy="4525963"/>
+          </a:xfrm>
+        </p:spPr>
+        <p:txBody>
+          <a:bodyPr>
+            <a:normAutofit/>
+          </a:bodyPr>
+          <a:lstStyle/>
+          <a:p>
+            <a:pPr marL="0" indent="0">
+              <a:buNone/>
+            </a:pPr>
+            <a:r>
+              <a:rPr lang="es-ES_tradnl" b="1" dirty="0" smtClean="0"/>
+              <a:t>El marco teórico </a:t>
+            </a:r>
+            <a:r>
+              <a:rPr lang="es-ES_tradnl" b="1" dirty="0" smtClean="0">
+                <a:solidFill>
+                  <a:srgbClr val="FF0000"/>
+                </a:solidFill>
+              </a:rPr>
+              <a:t>no es un tratado exhaustivo </a:t>
+            </a:r>
+            <a:r>
+              <a:rPr lang="es-ES_tradnl" b="1" dirty="0" smtClean="0"/>
+              <a:t>sobre todo lo que hay que saber de un tema en general, si no que se debe delimitar a los antecedentes específicos que dan soporte al estudio en desarrollo. </a:t>
+            </a:r>
+            <a:endParaRPr lang="es-ES_tradnl" b="1" dirty="0"/>
+          </a:p>
+        </p:txBody>
+      </p:sp>
+      <p:sp>
+        <p:nvSpPr>
+          <p:cNvPr id="5" name="Rectángulo 4"/>
           <p:cNvSpPr/>
           <p:nvPr/>
         </p:nvSpPr>
@@ -13426,7 +12670,7 @@
       </p:sp>
       <p:sp>
         <p:nvSpPr>
-          <p:cNvPr id="5" name="Rectángulo 4"/>
+          <p:cNvPr id="6" name="Rectángulo 5"/>
           <p:cNvSpPr/>
           <p:nvPr/>
         </p:nvSpPr>
@@ -13462,10 +12706,79 @@
           </a:p>
         </p:txBody>
       </p:sp>
+      <p:sp>
+        <p:nvSpPr>
+          <p:cNvPr id="7" name="Título 6"/>
+          <p:cNvSpPr>
+            <a:spLocks noGrp="1"/>
+          </p:cNvSpPr>
+          <p:nvPr>
+            <p:ph type="title"/>
+          </p:nvPr>
+        </p:nvSpPr>
+        <p:spPr/>
+        <p:txBody>
+          <a:bodyPr>
+            <a:normAutofit fontScale="90000"/>
+          </a:bodyPr>
+          <a:lstStyle/>
+          <a:p>
+            <a:r>
+              <a:rPr lang="es-MX" dirty="0" smtClean="0"/>
+              <a:t/>
+            </a:r>
+            <a:br>
+              <a:rPr lang="es-MX" dirty="0" smtClean="0"/>
+            </a:br>
+            <a:endParaRPr lang="es-MX" dirty="0"/>
+          </a:p>
+        </p:txBody>
+      </p:sp>
+      <p:pic>
+        <p:nvPicPr>
+          <p:cNvPr id="2052" name="Picture 4" descr="Resultado de imagen para estres laboral"/>
+          <p:cNvPicPr>
+            <a:picLocks noChangeAspect="1" noChangeArrowheads="1"/>
+          </p:cNvPicPr>
+          <p:nvPr/>
+        </p:nvPicPr>
+        <p:blipFill>
+          <a:blip r:embed="rId3">
+            <a:extLst>
+              <a:ext uri="{28A0092B-C50C-407E-A947-70E740481C1C}">
+                <a14:useLocalDpi xmlns:a14="http://schemas.microsoft.com/office/drawing/2010/main" val="0"/>
+              </a:ext>
+            </a:extLst>
+          </a:blip>
+          <a:srcRect/>
+          <a:stretch>
+            <a:fillRect/>
+          </a:stretch>
+        </p:blipFill>
+        <p:spPr bwMode="auto">
+          <a:xfrm>
+            <a:off x="3348547" y="3863181"/>
+            <a:ext cx="2446905" cy="2081898"/>
+          </a:xfrm>
+          <a:prstGeom prst="rect">
+            <a:avLst/>
+          </a:prstGeom>
+          <a:noFill/>
+          <a:extLst>
+            <a:ext uri="{909E8E84-426E-40DD-AFC4-6F175D3DCCD1}">
+              <a14:hiddenFill xmlns:a14="http://schemas.microsoft.com/office/drawing/2010/main">
+                <a:solidFill>
+                  <a:srgbClr val="FFFFFF"/>
+                </a:solidFill>
+              </a14:hiddenFill>
+            </a:ext>
+          </a:extLst>
+        </p:spPr>
+      </p:pic>
     </p:spTree>
     <p:extLst>
       <p:ext uri="{BB962C8B-B14F-4D97-AF65-F5344CB8AC3E}">
-        <p14:creationId xmlns:p14="http://schemas.microsoft.com/office/powerpoint/2010/main" val="668145784"/>
+        <p14:creationId xmlns:p14="http://schemas.microsoft.com/office/powerpoint/2010/main" val="607861470"/>
       </p:ext>
     </p:extLst>
   </p:cSld>
